--- a/files/code-rrt/Leadership.pptx
+++ b/files/code-rrt/Leadership.pptx
@@ -5,21 +5,19 @@
     <p:sldMasterId id="2147483648" r:id="rId1"/>
   </p:sldMasterIdLst>
   <p:notesMasterIdLst>
-    <p:notesMasterId r:id="rId14"/>
+    <p:notesMasterId r:id="rId12"/>
   </p:notesMasterIdLst>
   <p:sldIdLst>
     <p:sldId id="290" r:id="rId2"/>
-    <p:sldId id="260" r:id="rId3"/>
-    <p:sldId id="258" r:id="rId4"/>
+    <p:sldId id="258" r:id="rId3"/>
+    <p:sldId id="260" r:id="rId4"/>
     <p:sldId id="261" r:id="rId5"/>
     <p:sldId id="291" r:id="rId6"/>
     <p:sldId id="292" r:id="rId7"/>
     <p:sldId id="262" r:id="rId8"/>
     <p:sldId id="263" r:id="rId9"/>
-    <p:sldId id="289" r:id="rId10"/>
-    <p:sldId id="264" r:id="rId11"/>
-    <p:sldId id="265" r:id="rId12"/>
-    <p:sldId id="274" r:id="rId13"/>
+    <p:sldId id="264" r:id="rId10"/>
+    <p:sldId id="274" r:id="rId11"/>
   </p:sldIdLst>
   <p:sldSz cx="12192000" cy="6858000"/>
   <p:notesSz cx="6858000" cy="9144000"/>
@@ -576,105 +574,6 @@
 </p:notes>
 </file>
 
-<file path=ppt/notesSlides/notesSlide10.xml><?xml version="1.0" encoding="utf-8"?>
-<p:notes xmlns:a="http://schemas.openxmlformats.org/drawingml/2006/main" xmlns:r="http://schemas.openxmlformats.org/officeDocument/2006/relationships" xmlns:p="http://schemas.openxmlformats.org/presentationml/2006/main">
-  <p:cSld>
-    <p:spTree>
-      <p:nvGrpSpPr>
-        <p:cNvPr id="1" name=""/>
-        <p:cNvGrpSpPr/>
-        <p:nvPr/>
-      </p:nvGrpSpPr>
-      <p:grpSpPr>
-        <a:xfrm>
-          <a:off x="0" y="0"/>
-          <a:ext cx="0" cy="0"/>
-          <a:chOff x="0" y="0"/>
-          <a:chExt cx="0" cy="0"/>
-        </a:xfrm>
-      </p:grpSpPr>
-      <p:sp>
-        <p:nvSpPr>
-          <p:cNvPr id="2" name="Slide Image Placeholder 1"/>
-          <p:cNvSpPr>
-            <a:spLocks noGrp="1" noRot="1" noChangeAspect="1"/>
-          </p:cNvSpPr>
-          <p:nvPr>
-            <p:ph type="sldImg"/>
-          </p:nvPr>
-        </p:nvSpPr>
-        <p:spPr/>
-      </p:sp>
-      <p:sp>
-        <p:nvSpPr>
-          <p:cNvPr id="3" name="Notes Placeholder 2"/>
-          <p:cNvSpPr>
-            <a:spLocks noGrp="1"/>
-          </p:cNvSpPr>
-          <p:nvPr>
-            <p:ph type="body" idx="1"/>
-          </p:nvPr>
-        </p:nvSpPr>
-        <p:spPr/>
-        <p:txBody>
-          <a:bodyPr/>
-          <a:lstStyle/>
-          <a:p>
-            <a:r>
-              <a:rPr lang="en-US" dirty="0"/>
-              <a:t>Last point is a Segway to the next segment.</a:t>
-            </a:r>
-          </a:p>
-          <a:p>
-            <a:endParaRPr lang="en-US" dirty="0"/>
-          </a:p>
-          <a:p>
-            <a:endParaRPr lang="en-US" dirty="0"/>
-          </a:p>
-          <a:p>
-            <a:endParaRPr lang="en-US" dirty="0"/>
-          </a:p>
-          <a:p>
-            <a:endParaRPr lang="en-US" dirty="0"/>
-          </a:p>
-        </p:txBody>
-      </p:sp>
-      <p:sp>
-        <p:nvSpPr>
-          <p:cNvPr id="4" name="Slide Number Placeholder 3"/>
-          <p:cNvSpPr>
-            <a:spLocks noGrp="1"/>
-          </p:cNvSpPr>
-          <p:nvPr>
-            <p:ph type="sldNum" sz="quarter" idx="5"/>
-          </p:nvPr>
-        </p:nvSpPr>
-        <p:spPr/>
-        <p:txBody>
-          <a:bodyPr/>
-          <a:lstStyle/>
-          <a:p>
-            <a:fld id="{D1091980-8178-AE47-8A32-C5B9786EDC72}" type="slidenum">
-              <a:rPr lang="en-US" smtClean="0"/>
-              <a:t>12</a:t>
-            </a:fld>
-            <a:endParaRPr lang="en-US"/>
-          </a:p>
-        </p:txBody>
-      </p:sp>
-    </p:spTree>
-    <p:extLst>
-      <p:ext uri="{BB962C8B-B14F-4D97-AF65-F5344CB8AC3E}">
-        <p14:creationId xmlns:p14="http://schemas.microsoft.com/office/powerpoint/2010/main" val="3901546528"/>
-      </p:ext>
-    </p:extLst>
-  </p:cSld>
-  <p:clrMapOvr>
-    <a:masterClrMapping/>
-  </p:clrMapOvr>
-</p:notes>
-</file>
-
 <file path=ppt/notesSlides/notesSlide2.xml><?xml version="1.0" encoding="utf-8"?>
 <p:notes xmlns:a="http://schemas.openxmlformats.org/drawingml/2006/main" xmlns:r="http://schemas.openxmlformats.org/officeDocument/2006/relationships" xmlns:p="http://schemas.openxmlformats.org/presentationml/2006/main">
   <p:cSld>
@@ -719,55 +618,118 @@
           <a:bodyPr/>
           <a:lstStyle/>
           <a:p>
+            <a:endParaRPr lang="en-US" sz="1200" kern="1200" dirty="0">
+              <a:solidFill>
+                <a:schemeClr val="tx1"/>
+              </a:solidFill>
+              <a:effectLst/>
+              <a:latin typeface="+mn-lt"/>
+              <a:ea typeface="+mn-ea"/>
+              <a:cs typeface="+mn-cs"/>
+            </a:endParaRPr>
+          </a:p>
+          <a:p>
+            <a:endParaRPr lang="en-US" sz="1200" kern="1200" dirty="0">
+              <a:solidFill>
+                <a:schemeClr val="tx1"/>
+              </a:solidFill>
+              <a:effectLst/>
+              <a:latin typeface="+mn-lt"/>
+              <a:ea typeface="+mn-ea"/>
+              <a:cs typeface="+mn-cs"/>
+            </a:endParaRPr>
+          </a:p>
+          <a:p>
+            <a:r>
+              <a:rPr lang="en-US" dirty="0">
+                <a:latin typeface="Calibri" panose="020F0502020204030204" pitchFamily="34" charset="0"/>
+                <a:cs typeface="Calibri" panose="020F0502020204030204" pitchFamily="34" charset="0"/>
+              </a:rPr>
+              <a:t>Team/Code Lead: that’s you!</a:t>
+            </a:r>
+          </a:p>
+          <a:p>
+            <a:r>
+              <a:rPr lang="en-US" dirty="0">
+                <a:latin typeface="Calibri" panose="020F0502020204030204" pitchFamily="34" charset="0"/>
+                <a:cs typeface="Calibri" panose="020F0502020204030204" pitchFamily="34" charset="0"/>
+              </a:rPr>
+              <a:t>Computer Reviewer</a:t>
+            </a:r>
+          </a:p>
+          <a:p>
+            <a:pPr lvl="1"/>
+            <a:r>
+              <a:rPr lang="en-US" b="1" dirty="0">
+                <a:latin typeface="Calibri" panose="020F0502020204030204" pitchFamily="34" charset="0"/>
+                <a:cs typeface="Calibri" panose="020F0502020204030204" pitchFamily="34" charset="0"/>
+              </a:rPr>
+              <a:t>Verify code status.</a:t>
+            </a:r>
+          </a:p>
+          <a:p>
+            <a:pPr lvl="1"/>
+            <a:r>
+              <a:rPr lang="en-US" dirty="0">
+                <a:latin typeface="Calibri" panose="020F0502020204030204" pitchFamily="34" charset="0"/>
+                <a:cs typeface="Calibri" panose="020F0502020204030204" pitchFamily="34" charset="0"/>
+              </a:rPr>
+              <a:t>Look through history, labs, medication list.</a:t>
+            </a:r>
+          </a:p>
+          <a:p>
+            <a:r>
+              <a:rPr lang="en-US" dirty="0">
+                <a:latin typeface="Calibri" panose="020F0502020204030204" pitchFamily="34" charset="0"/>
+                <a:cs typeface="Calibri" panose="020F0502020204030204" pitchFamily="34" charset="0"/>
+              </a:rPr>
+              <a:t>History Taker</a:t>
+            </a:r>
+          </a:p>
+          <a:p>
+            <a:pPr lvl="1"/>
+            <a:r>
+              <a:rPr lang="en-US" dirty="0">
+                <a:latin typeface="Calibri" panose="020F0502020204030204" pitchFamily="34" charset="0"/>
+                <a:cs typeface="Calibri" panose="020F0502020204030204" pitchFamily="34" charset="0"/>
+              </a:rPr>
+              <a:t>Talk to family and nursing.</a:t>
+            </a:r>
+          </a:p>
+          <a:p>
+            <a:pPr lvl="1"/>
+            <a:r>
+              <a:rPr lang="en-US" dirty="0">
+                <a:latin typeface="Calibri" panose="020F0502020204030204" pitchFamily="34" charset="0"/>
+                <a:cs typeface="Calibri" panose="020F0502020204030204" pitchFamily="34" charset="0"/>
+              </a:rPr>
+              <a:t>If witnessed code, what happened?</a:t>
+            </a:r>
+          </a:p>
+          <a:p>
+            <a:r>
+              <a:rPr lang="en-US" dirty="0">
+                <a:latin typeface="Calibri" panose="020F0502020204030204" pitchFamily="34" charset="0"/>
+                <a:cs typeface="Calibri" panose="020F0502020204030204" pitchFamily="34" charset="0"/>
+              </a:rPr>
+              <a:t>Tele Monitor Review</a:t>
+            </a:r>
+          </a:p>
+          <a:p>
+            <a:pPr lvl="1"/>
+            <a:r>
+              <a:rPr lang="en-US" dirty="0">
+                <a:latin typeface="Calibri" panose="020F0502020204030204" pitchFamily="34" charset="0"/>
+                <a:cs typeface="Calibri" panose="020F0502020204030204" pitchFamily="34" charset="0"/>
+              </a:rPr>
+              <a:t>Important for arrhythmic arrest</a:t>
+            </a:r>
+          </a:p>
+          <a:p>
             <a:r>
               <a:rPr lang="en-US" dirty="0"/>
-              <a:t>you're going to go in to a room with ~10+ other people who, in general, you don't know and who don't know you. </a:t>
-            </a:r>
-          </a:p>
-          <a:p>
-            <a:r>
-              <a:rPr lang="en-US" dirty="0"/>
-              <a:t>They don't know if you're a genius or an idiot (though they do know you're not super experienced).</a:t>
-            </a:r>
-          </a:p>
-          <a:p>
-            <a:r>
-              <a:rPr lang="en-US" dirty="0"/>
-              <a:t>You have to assemble into a team to adapt to the constraints of the situation </a:t>
-            </a:r>
-          </a:p>
-          <a:p>
-            <a:r>
-              <a:rPr lang="en-US" dirty="0"/>
-              <a:t>Everyone is stressed, it is an emergency. </a:t>
-            </a:r>
-          </a:p>
-          <a:p>
-            <a:endParaRPr lang="en-US" dirty="0"/>
-          </a:p>
-          <a:p>
-            <a:endParaRPr lang="en-US" dirty="0"/>
-          </a:p>
-          <a:p>
-            <a:r>
-              <a:rPr lang="en-US" dirty="0"/>
-              <a:t>No MD or Resident in many places</a:t>
-            </a:r>
-          </a:p>
-          <a:p>
-            <a:r>
-              <a:rPr lang="en-US" dirty="0"/>
-              <a:t>The code could run without us– our role is to *add value*</a:t>
-            </a:r>
-          </a:p>
-          <a:p>
-            <a:r>
-              <a:rPr lang="en-US" dirty="0"/>
-              <a:t>This is very different from our simulations</a:t>
-            </a:r>
-          </a:p>
-          <a:p>
-            <a:endParaRPr lang="en-US" dirty="0"/>
+              <a:t> </a:t>
+            </a:r>
           </a:p>
           <a:p>
             <a:endParaRPr lang="en-US" dirty="0"/>
@@ -800,7 +762,7 @@
     </p:spTree>
     <p:extLst>
       <p:ext uri="{BB962C8B-B14F-4D97-AF65-F5344CB8AC3E}">
-        <p14:creationId xmlns:p14="http://schemas.microsoft.com/office/powerpoint/2010/main" val="320547483"/>
+        <p14:creationId xmlns:p14="http://schemas.microsoft.com/office/powerpoint/2010/main" val="3704386760"/>
       </p:ext>
     </p:extLst>
   </p:cSld>
@@ -854,26 +816,55 @@
           <a:bodyPr/>
           <a:lstStyle/>
           <a:p>
-            <a:endParaRPr lang="en-US" sz="1200" kern="1200" dirty="0">
-              <a:solidFill>
-                <a:schemeClr val="tx1"/>
-              </a:solidFill>
-              <a:effectLst/>
-              <a:latin typeface="+mn-lt"/>
-              <a:ea typeface="+mn-ea"/>
-              <a:cs typeface="+mn-cs"/>
-            </a:endParaRPr>
-          </a:p>
-          <a:p>
-            <a:endParaRPr lang="en-US" sz="1200" kern="1200" dirty="0">
-              <a:solidFill>
-                <a:schemeClr val="tx1"/>
-              </a:solidFill>
-              <a:effectLst/>
-              <a:latin typeface="+mn-lt"/>
-              <a:ea typeface="+mn-ea"/>
-              <a:cs typeface="+mn-cs"/>
-            </a:endParaRPr>
+            <a:r>
+              <a:rPr lang="en-US" dirty="0"/>
+              <a:t>you're going to go in to a room with ~10+ other people who, in general, you don't know and who don't know you. </a:t>
+            </a:r>
+          </a:p>
+          <a:p>
+            <a:r>
+              <a:rPr lang="en-US" dirty="0"/>
+              <a:t>They don't know if you're a genius or an idiot (though they do know you're not super experienced).</a:t>
+            </a:r>
+          </a:p>
+          <a:p>
+            <a:r>
+              <a:rPr lang="en-US" dirty="0"/>
+              <a:t>You have to assemble into a team to adapt to the constraints of the situation </a:t>
+            </a:r>
+          </a:p>
+          <a:p>
+            <a:r>
+              <a:rPr lang="en-US" dirty="0"/>
+              <a:t>Everyone is stressed, it is an emergency. </a:t>
+            </a:r>
+          </a:p>
+          <a:p>
+            <a:endParaRPr lang="en-US" dirty="0"/>
+          </a:p>
+          <a:p>
+            <a:endParaRPr lang="en-US" dirty="0"/>
+          </a:p>
+          <a:p>
+            <a:r>
+              <a:rPr lang="en-US" dirty="0"/>
+              <a:t>No MD or Resident in many places</a:t>
+            </a:r>
+          </a:p>
+          <a:p>
+            <a:r>
+              <a:rPr lang="en-US" dirty="0"/>
+              <a:t>The code could run without us– our role is to *add value*</a:t>
+            </a:r>
+          </a:p>
+          <a:p>
+            <a:r>
+              <a:rPr lang="en-US" dirty="0"/>
+              <a:t>This is very different from our simulations</a:t>
+            </a:r>
+          </a:p>
+          <a:p>
+            <a:endParaRPr lang="en-US" dirty="0"/>
           </a:p>
           <a:p>
             <a:endParaRPr lang="en-US" dirty="0"/>
@@ -906,7 +897,7 @@
     </p:spTree>
     <p:extLst>
       <p:ext uri="{BB962C8B-B14F-4D97-AF65-F5344CB8AC3E}">
-        <p14:creationId xmlns:p14="http://schemas.microsoft.com/office/powerpoint/2010/main" val="3704386760"/>
+        <p14:creationId xmlns:p14="http://schemas.microsoft.com/office/powerpoint/2010/main" val="320547483"/>
       </p:ext>
     </p:extLst>
   </p:cSld>
@@ -1254,6 +1245,49 @@
               <a:t>You just need to commit to saying this. Loudly, right when you enter the door.</a:t>
             </a:r>
           </a:p>
+          <a:p>
+            <a:pPr marL="0" marR="0" lvl="0" indent="0" algn="l" defTabSz="914400" rtl="0" eaLnBrk="1" fontAlgn="auto" latinLnBrk="0" hangingPunct="1">
+              <a:lnSpc>
+                <a:spcPct val="100000"/>
+              </a:lnSpc>
+              <a:spcBef>
+                <a:spcPts val="0"/>
+              </a:spcBef>
+              <a:spcAft>
+                <a:spcPts val="0"/>
+              </a:spcAft>
+              <a:buClrTx/>
+              <a:buSzTx/>
+              <a:buFontTx/>
+              <a:buNone/>
+              <a:tabLst/>
+              <a:defRPr/>
+            </a:pPr>
+            <a:endParaRPr lang="en-US" dirty="0"/>
+          </a:p>
+          <a:p>
+            <a:pPr marL="0" marR="0" lvl="0" indent="0" algn="l" defTabSz="914400" rtl="0" eaLnBrk="1" fontAlgn="auto" latinLnBrk="0" hangingPunct="1">
+              <a:lnSpc>
+                <a:spcPct val="100000"/>
+              </a:lnSpc>
+              <a:spcBef>
+                <a:spcPts val="0"/>
+              </a:spcBef>
+              <a:spcAft>
+                <a:spcPts val="0"/>
+              </a:spcAft>
+              <a:buClrTx/>
+              <a:buSzTx/>
+              <a:buFontTx/>
+              <a:buNone/>
+              <a:tabLst/>
+              <a:defRPr/>
+            </a:pPr>
+            <a:r>
+              <a:rPr lang="en-US" dirty="0"/>
+              <a:t>Examples where this comes up</a:t>
+            </a:r>
+          </a:p>
         </p:txBody>
       </p:sp>
       <p:sp>
@@ -1487,20 +1521,8 @@
           <a:lstStyle/>
           <a:p>
             <a:r>
-              <a:rPr lang="en-US" b="1" dirty="0"/>
-              <a:t>The card is socially better than looking at your phone.</a:t>
-            </a:r>
-          </a:p>
-          <a:p>
-            <a:endParaRPr lang="en-US" b="1" dirty="0"/>
-          </a:p>
-          <a:p>
-            <a:endParaRPr lang="en-US" b="1" dirty="0"/>
-          </a:p>
-          <a:p>
-            <a:r>
-              <a:rPr lang="en-US" b="1" dirty="0"/>
-              <a:t>This is almost always where teams struggle </a:t>
+              <a:rPr lang="en-US" dirty="0"/>
+              <a:t>You can call for quiet to lower the noise level. Have folks step out if too crowded – you control the environment. </a:t>
             </a:r>
           </a:p>
           <a:p>
@@ -1509,73 +1531,62 @@
           <a:p>
             <a:r>
               <a:rPr lang="en-US" dirty="0"/>
-              <a:t>ACLS algorithms: </a:t>
-            </a:r>
-          </a:p>
-          <a:p>
-            <a:pPr marL="914400" lvl="1" indent="-457200">
-              <a:buFont typeface="+mj-lt"/>
-              <a:buAutoNum type="arabicPeriod"/>
-            </a:pPr>
+              <a:t>https://</a:t>
+            </a:r>
+            <a:r>
+              <a:rPr lang="en-US" dirty="0" err="1"/>
+              <a:t>twitter.com</a:t>
+            </a:r>
             <a:r>
               <a:rPr lang="en-US" dirty="0"/>
-              <a:t>not that complex</a:t>
-            </a:r>
-          </a:p>
-          <a:p>
-            <a:pPr marL="914400" lvl="1" indent="-457200">
-              <a:buFont typeface="+mj-lt"/>
-              <a:buAutoNum type="arabicPeriod"/>
-            </a:pPr>
+              <a:t>/</a:t>
+            </a:r>
+            <a:r>
+              <a:rPr lang="en-US" dirty="0" err="1"/>
+              <a:t>ross_prager</a:t>
+            </a:r>
             <a:r>
               <a:rPr lang="en-US" dirty="0"/>
-              <a:t>there are cards in the code carts</a:t>
-            </a:r>
-          </a:p>
-          <a:p>
-            <a:pPr marL="914400" lvl="1" indent="-457200">
-              <a:buFont typeface="+mj-lt"/>
-              <a:buAutoNum type="arabicPeriod"/>
-            </a:pPr>
+              <a:t>/status/1769700101629399542?s=46&amp;t=5eJ6uoTQrbbYTlHIOnRYRg – good thread with more detail and dope pixel art</a:t>
+            </a:r>
+          </a:p>
+          <a:p>
+            <a:endParaRPr lang="en-US" dirty="0"/>
+          </a:p>
+          <a:p>
+            <a:endParaRPr lang="en-US" dirty="0"/>
+          </a:p>
+          <a:p>
             <a:r>
               <a:rPr lang="en-US" dirty="0"/>
-              <a:t>there will be ~5+ other people there who know ACLS like the back of their hand*</a:t>
-            </a:r>
-          </a:p>
-          <a:p>
-            <a:pPr lvl="1"/>
+              <a:t>What is the point of the bottom two? </a:t>
+            </a:r>
+          </a:p>
+          <a:p>
             <a:endParaRPr lang="en-US" dirty="0"/>
           </a:p>
           <a:p>
             <a:r>
               <a:rPr lang="en-US" dirty="0"/>
-              <a:t>RRTs can be medical complex, but the key decisions are simple</a:t>
-            </a:r>
-          </a:p>
-          <a:p>
-            <a:endParaRPr lang="en-US" sz="1200" kern="1200" dirty="0">
-              <a:solidFill>
-                <a:schemeClr val="tx1"/>
-              </a:solidFill>
-              <a:effectLst/>
-              <a:latin typeface="+mn-lt"/>
-              <a:ea typeface="+mn-ea"/>
-              <a:cs typeface="+mn-cs"/>
-            </a:endParaRPr>
-          </a:p>
-          <a:p>
-            <a:r>
-              <a:rPr lang="en-US" sz="1200" kern="1200" dirty="0">
-                <a:solidFill>
-                  <a:schemeClr val="tx1"/>
-                </a:solidFill>
-                <a:effectLst/>
-                <a:latin typeface="+mn-lt"/>
-                <a:ea typeface="+mn-ea"/>
-                <a:cs typeface="+mn-cs"/>
-              </a:rPr>
-              <a:t>Sociology lens. Why? The medicine isn't that hard (not that easy, either) - but a lecture isn't the right place to review it. I will end with some medical hints because I can't resist. </a:t>
-            </a:r>
+              <a:t>Think of motivational interviewing with a patient.. You NEVER want to argue. You want to direct. Do the same thing here. You are directing a competent team of professionals who could do a pretty good job running a code on their own (they do in lots of places). Don’t break the machine – you want to productively guide it. </a:t>
+            </a:r>
+          </a:p>
+          <a:p>
+            <a:endParaRPr lang="en-US" dirty="0"/>
+          </a:p>
+          <a:p>
+            <a:endParaRPr lang="en-US" dirty="0"/>
+          </a:p>
+          <a:p>
+            <a:endParaRPr lang="en-US" dirty="0"/>
+          </a:p>
+          <a:p>
+            <a:r>
+              <a:rPr lang="en-US" dirty="0"/>
+              <a:t>Fine V-Fib example. RN notices, but not empowered. </a:t>
+            </a:r>
+          </a:p>
+          <a:p>
             <a:endParaRPr lang="en-US" dirty="0"/>
           </a:p>
         </p:txBody>
@@ -1606,7 +1617,7 @@
     </p:spTree>
     <p:extLst>
       <p:ext uri="{BB962C8B-B14F-4D97-AF65-F5344CB8AC3E}">
-        <p14:creationId xmlns:p14="http://schemas.microsoft.com/office/powerpoint/2010/main" val="3649633608"/>
+        <p14:creationId xmlns:p14="http://schemas.microsoft.com/office/powerpoint/2010/main" val="1827738044"/>
       </p:ext>
     </p:extLst>
   </p:cSld>
@@ -1662,33 +1673,20 @@
           <a:p>
             <a:r>
               <a:rPr lang="en-US" dirty="0"/>
-              <a:t>You can call for quiet to lower the noise level. Have folks step out if too crowded – you control the environment. </a:t>
+              <a:t>Last point is a Segway to the next segment.</a:t>
             </a:r>
           </a:p>
           <a:p>
             <a:endParaRPr lang="en-US" dirty="0"/>
           </a:p>
           <a:p>
-            <a:r>
-              <a:rPr lang="en-US" dirty="0"/>
-              <a:t>https://</a:t>
-            </a:r>
-            <a:r>
-              <a:rPr lang="en-US" dirty="0" err="1"/>
-              <a:t>twitter.com</a:t>
-            </a:r>
-            <a:r>
-              <a:rPr lang="en-US" dirty="0"/>
-              <a:t>/</a:t>
-            </a:r>
-            <a:r>
-              <a:rPr lang="en-US" dirty="0" err="1"/>
-              <a:t>ross_prager</a:t>
-            </a:r>
-            <a:r>
-              <a:rPr lang="en-US" dirty="0"/>
-              <a:t>/status/1769700101629399542?s=46&amp;t=5eJ6uoTQrbbYTlHIOnRYRg – good thread with more detail and dope pixel art</a:t>
-            </a:r>
+            <a:endParaRPr lang="en-US" dirty="0"/>
+          </a:p>
+          <a:p>
+            <a:endParaRPr lang="en-US" dirty="0"/>
+          </a:p>
+          <a:p>
+            <a:endParaRPr lang="en-US" dirty="0"/>
           </a:p>
         </p:txBody>
       </p:sp>
@@ -1707,7 +1705,7 @@
           <a:bodyPr/>
           <a:lstStyle/>
           <a:p>
-            <a:fld id="{1FC08C76-A209-4949-9BA5-9FDB78A7C114}" type="slidenum">
+            <a:fld id="{D1091980-8178-AE47-8A32-C5B9786EDC72}" type="slidenum">
               <a:rPr lang="en-US" smtClean="0"/>
               <a:t>10</a:t>
             </a:fld>
@@ -1718,118 +1716,7 @@
     </p:spTree>
     <p:extLst>
       <p:ext uri="{BB962C8B-B14F-4D97-AF65-F5344CB8AC3E}">
-        <p14:creationId xmlns:p14="http://schemas.microsoft.com/office/powerpoint/2010/main" val="1827738044"/>
-      </p:ext>
-    </p:extLst>
-  </p:cSld>
-  <p:clrMapOvr>
-    <a:masterClrMapping/>
-  </p:clrMapOvr>
-</p:notes>
-</file>
-
-<file path=ppt/notesSlides/notesSlide9.xml><?xml version="1.0" encoding="utf-8"?>
-<p:notes xmlns:a="http://schemas.openxmlformats.org/drawingml/2006/main" xmlns:r="http://schemas.openxmlformats.org/officeDocument/2006/relationships" xmlns:p="http://schemas.openxmlformats.org/presentationml/2006/main">
-  <p:cSld>
-    <p:spTree>
-      <p:nvGrpSpPr>
-        <p:cNvPr id="1" name=""/>
-        <p:cNvGrpSpPr/>
-        <p:nvPr/>
-      </p:nvGrpSpPr>
-      <p:grpSpPr>
-        <a:xfrm>
-          <a:off x="0" y="0"/>
-          <a:ext cx="0" cy="0"/>
-          <a:chOff x="0" y="0"/>
-          <a:chExt cx="0" cy="0"/>
-        </a:xfrm>
-      </p:grpSpPr>
-      <p:sp>
-        <p:nvSpPr>
-          <p:cNvPr id="2" name="Slide Image Placeholder 1"/>
-          <p:cNvSpPr>
-            <a:spLocks noGrp="1" noRot="1" noChangeAspect="1"/>
-          </p:cNvSpPr>
-          <p:nvPr>
-            <p:ph type="sldImg"/>
-          </p:nvPr>
-        </p:nvSpPr>
-        <p:spPr/>
-      </p:sp>
-      <p:sp>
-        <p:nvSpPr>
-          <p:cNvPr id="3" name="Notes Placeholder 2"/>
-          <p:cNvSpPr>
-            <a:spLocks noGrp="1"/>
-          </p:cNvSpPr>
-          <p:nvPr>
-            <p:ph type="body" idx="1"/>
-          </p:nvPr>
-        </p:nvSpPr>
-        <p:spPr/>
-        <p:txBody>
-          <a:bodyPr/>
-          <a:lstStyle/>
-          <a:p>
-            <a:r>
-              <a:rPr lang="en-US" dirty="0"/>
-              <a:t>What is the point of the bottom two? </a:t>
-            </a:r>
-          </a:p>
-          <a:p>
-            <a:endParaRPr lang="en-US" dirty="0"/>
-          </a:p>
-          <a:p>
-            <a:r>
-              <a:rPr lang="en-US" dirty="0"/>
-              <a:t>Think of motivational interviewing with a patient.. You NEVER want to argue. You want to direct. Do the same thing here. You are directing a competent team of professionals who could do a pretty good job running a code on their own (they do in lots of places). Don’t break the machine – you want to productively guide it. </a:t>
-            </a:r>
-          </a:p>
-          <a:p>
-            <a:endParaRPr lang="en-US" dirty="0"/>
-          </a:p>
-          <a:p>
-            <a:endParaRPr lang="en-US" dirty="0"/>
-          </a:p>
-          <a:p>
-            <a:endParaRPr lang="en-US" dirty="0"/>
-          </a:p>
-          <a:p>
-            <a:r>
-              <a:rPr lang="en-US" dirty="0"/>
-              <a:t>Fine V-Fib example. RN notices, but not empowered. </a:t>
-            </a:r>
-          </a:p>
-        </p:txBody>
-      </p:sp>
-      <p:sp>
-        <p:nvSpPr>
-          <p:cNvPr id="4" name="Slide Number Placeholder 3"/>
-          <p:cNvSpPr>
-            <a:spLocks noGrp="1"/>
-          </p:cNvSpPr>
-          <p:nvPr>
-            <p:ph type="sldNum" sz="quarter" idx="5"/>
-          </p:nvPr>
-        </p:nvSpPr>
-        <p:spPr/>
-        <p:txBody>
-          <a:bodyPr/>
-          <a:lstStyle/>
-          <a:p>
-            <a:fld id="{1FC08C76-A209-4949-9BA5-9FDB78A7C114}" type="slidenum">
-              <a:rPr lang="en-US" smtClean="0"/>
-              <a:t>11</a:t>
-            </a:fld>
-            <a:endParaRPr lang="en-US"/>
-          </a:p>
-        </p:txBody>
-      </p:sp>
-    </p:spTree>
-    <p:extLst>
-      <p:ext uri="{BB962C8B-B14F-4D97-AF65-F5344CB8AC3E}">
-        <p14:creationId xmlns:p14="http://schemas.microsoft.com/office/powerpoint/2010/main" val="4228528303"/>
+        <p14:creationId xmlns:p14="http://schemas.microsoft.com/office/powerpoint/2010/main" val="3901546528"/>
       </p:ext>
     </p:extLst>
   </p:cSld>
@@ -5141,14 +5028,6 @@
 <file path=ppt/slides/slide10.xml><?xml version="1.0" encoding="utf-8"?>
 <p:sld xmlns:a="http://schemas.openxmlformats.org/drawingml/2006/main" xmlns:r="http://schemas.openxmlformats.org/officeDocument/2006/relationships" xmlns:p="http://schemas.openxmlformats.org/presentationml/2006/main">
   <p:cSld>
-    <p:bg>
-      <p:bgPr>
-        <a:solidFill>
-          <a:schemeClr val="bg1"/>
-        </a:solidFill>
-        <a:effectLst/>
-      </p:bgPr>
-    </p:bg>
     <p:spTree>
       <p:nvGrpSpPr>
         <p:cNvPr id="1" name=""/>
@@ -5163,462 +5042,6 @@
           <a:chExt cx="0" cy="0"/>
         </a:xfrm>
       </p:grpSpPr>
-      <p:sp useBgFill="1">
-        <p:nvSpPr>
-          <p:cNvPr id="9" name="Slide Background">
-            <a:extLst>
-              <a:ext uri="{FF2B5EF4-FFF2-40B4-BE49-F238E27FC236}">
-                <a16:creationId xmlns:a16="http://schemas.microsoft.com/office/drawing/2014/main" id="{9F7D5CDA-D291-4307-BF55-1381FED29634}"/>
-              </a:ext>
-              <a:ext uri="{C183D7F6-B498-43B3-948B-1728B52AA6E4}">
-                <adec:decorative xmlns:adec="http://schemas.microsoft.com/office/drawing/2017/decorative" val="1"/>
-              </a:ext>
-            </a:extLst>
-          </p:cNvPr>
-          <p:cNvSpPr>
-            <a:spLocks noGrp="1" noRot="1" noChangeAspect="1" noMove="1" noResize="1" noEditPoints="1" noAdjustHandles="1" noChangeArrowheads="1" noChangeShapeType="1" noTextEdit="1"/>
-          </p:cNvSpPr>
-          <p:nvPr>
-            <p:extLst>
-              <p:ext uri="{386F3935-93C4-4BCD-93E2-E3B085C9AB24}">
-                <p16:designElem xmlns:p16="http://schemas.microsoft.com/office/powerpoint/2015/main" val="1"/>
-              </p:ext>
-            </p:extLst>
-          </p:nvPr>
-        </p:nvSpPr>
-        <p:spPr>
-          <a:xfrm>
-            <a:off x="0" y="0"/>
-            <a:ext cx="12192000" cy="6858000"/>
-          </a:xfrm>
-          <a:prstGeom prst="rect">
-            <a:avLst/>
-          </a:prstGeom>
-          <a:ln>
-            <a:noFill/>
-          </a:ln>
-        </p:spPr>
-        <p:style>
-          <a:lnRef idx="2">
-            <a:schemeClr val="accent1">
-              <a:shade val="50000"/>
-            </a:schemeClr>
-          </a:lnRef>
-          <a:fillRef idx="1">
-            <a:schemeClr val="accent1"/>
-          </a:fillRef>
-          <a:effectRef idx="0">
-            <a:schemeClr val="accent1"/>
-          </a:effectRef>
-          <a:fontRef idx="minor">
-            <a:schemeClr val="lt1"/>
-          </a:fontRef>
-        </p:style>
-        <p:txBody>
-          <a:bodyPr rtlCol="0" anchor="ctr"/>
-          <a:lstStyle/>
-          <a:p>
-            <a:pPr algn="ctr"/>
-            <a:endParaRPr lang="en-US"/>
-          </a:p>
-        </p:txBody>
-      </p:sp>
-      <p:sp>
-        <p:nvSpPr>
-          <p:cNvPr id="2" name="Title 1">
-            <a:extLst>
-              <a:ext uri="{FF2B5EF4-FFF2-40B4-BE49-F238E27FC236}">
-                <a16:creationId xmlns:a16="http://schemas.microsoft.com/office/drawing/2014/main" id="{783133B5-8B48-D94D-855D-AA3BD878A319}"/>
-              </a:ext>
-            </a:extLst>
-          </p:cNvPr>
-          <p:cNvSpPr>
-            <a:spLocks noGrp="1"/>
-          </p:cNvSpPr>
-          <p:nvPr>
-            <p:ph type="title"/>
-          </p:nvPr>
-        </p:nvSpPr>
-        <p:spPr>
-          <a:xfrm>
-            <a:off x="761800" y="762001"/>
-            <a:ext cx="5334197" cy="1708242"/>
-          </a:xfrm>
-        </p:spPr>
-        <p:txBody>
-          <a:bodyPr anchor="ctr">
-            <a:normAutofit/>
-          </a:bodyPr>
-          <a:lstStyle/>
-          <a:p>
-            <a:r>
-              <a:rPr lang="en-US" sz="4000" b="1" dirty="0">
-                <a:latin typeface="Calibri" panose="020F0502020204030204" pitchFamily="34" charset="0"/>
-                <a:ea typeface="Palatino" pitchFamily="2" charset="77"/>
-                <a:cs typeface="Calibri" panose="020F0502020204030204" pitchFamily="34" charset="0"/>
-              </a:rPr>
-              <a:t>Step 3: </a:t>
-            </a:r>
-            <a:r>
-              <a:rPr lang="en-US" sz="4000" dirty="0">
-                <a:latin typeface="Calibri" panose="020F0502020204030204" pitchFamily="34" charset="0"/>
-                <a:ea typeface="Palatino" pitchFamily="2" charset="77"/>
-                <a:cs typeface="Calibri" panose="020F0502020204030204" pitchFamily="34" charset="0"/>
-              </a:rPr>
-              <a:t>Set the tone: constructive</a:t>
-            </a:r>
-          </a:p>
-        </p:txBody>
-      </p:sp>
-      <p:sp>
-        <p:nvSpPr>
-          <p:cNvPr id="3" name="Content Placeholder 2">
-            <a:extLst>
-              <a:ext uri="{FF2B5EF4-FFF2-40B4-BE49-F238E27FC236}">
-                <a16:creationId xmlns:a16="http://schemas.microsoft.com/office/drawing/2014/main" id="{8251F972-52AD-8346-A533-2F8D576B0D60}"/>
-              </a:ext>
-            </a:extLst>
-          </p:cNvPr>
-          <p:cNvSpPr>
-            <a:spLocks noGrp="1"/>
-          </p:cNvSpPr>
-          <p:nvPr>
-            <p:ph idx="1"/>
-          </p:nvPr>
-        </p:nvSpPr>
-        <p:spPr>
-          <a:xfrm>
-            <a:off x="761800" y="2470244"/>
-            <a:ext cx="5791400" cy="3769835"/>
-          </a:xfrm>
-        </p:spPr>
-        <p:txBody>
-          <a:bodyPr anchor="ctr">
-            <a:normAutofit/>
-          </a:bodyPr>
-          <a:lstStyle/>
-          <a:p>
-            <a:pPr marL="0" indent="0">
-              <a:buNone/>
-            </a:pPr>
-            <a:r>
-              <a:rPr lang="en-US" sz="2400" dirty="0">
-                <a:latin typeface="Calibri" panose="020F0502020204030204" pitchFamily="34" charset="0"/>
-                <a:cs typeface="Calibri" panose="020F0502020204030204" pitchFamily="34" charset="0"/>
-              </a:rPr>
-              <a:t>Calm, collected, and in control</a:t>
-            </a:r>
-          </a:p>
-          <a:p>
-            <a:r>
-              <a:rPr lang="en-US" sz="2400" dirty="0">
-                <a:latin typeface="Calibri" panose="020F0502020204030204" pitchFamily="34" charset="0"/>
-                <a:cs typeface="Calibri" panose="020F0502020204030204" pitchFamily="34" charset="0"/>
-              </a:rPr>
-              <a:t>Modulate your voice; no yelling</a:t>
-            </a:r>
-          </a:p>
-          <a:p>
-            <a:r>
-              <a:rPr lang="en-US" sz="2400" dirty="0">
-                <a:latin typeface="Calibri" panose="020F0502020204030204" pitchFamily="34" charset="0"/>
-                <a:cs typeface="Calibri" panose="020F0502020204030204" pitchFamily="34" charset="0"/>
-              </a:rPr>
-              <a:t>Coach, don’t reprimand. </a:t>
-            </a:r>
-          </a:p>
-          <a:p>
-            <a:r>
-              <a:rPr lang="en-US" sz="2400" dirty="0">
-                <a:latin typeface="Calibri" panose="020F0502020204030204" pitchFamily="34" charset="0"/>
-                <a:cs typeface="Calibri" panose="020F0502020204030204" pitchFamily="34" charset="0"/>
-              </a:rPr>
-              <a:t>Give encouragement.</a:t>
-            </a:r>
-          </a:p>
-          <a:p>
-            <a:pPr marL="0" indent="0">
-              <a:buNone/>
-            </a:pPr>
-            <a:endParaRPr lang="en-US" sz="2400" dirty="0">
-              <a:latin typeface="Calibri" panose="020F0502020204030204" pitchFamily="34" charset="0"/>
-              <a:cs typeface="Calibri" panose="020F0502020204030204" pitchFamily="34" charset="0"/>
-            </a:endParaRPr>
-          </a:p>
-          <a:p>
-            <a:pPr marL="0" indent="0">
-              <a:buNone/>
-            </a:pPr>
-            <a:r>
-              <a:rPr lang="en-US" sz="2400" dirty="0">
-                <a:latin typeface="Calibri" panose="020F0502020204030204" pitchFamily="34" charset="0"/>
-                <a:cs typeface="Calibri" panose="020F0502020204030204" pitchFamily="34" charset="0"/>
-              </a:rPr>
-              <a:t>What about suggestions you don’t like? </a:t>
-            </a:r>
-          </a:p>
-          <a:p>
-            <a:r>
-              <a:rPr lang="en-US" sz="2400" dirty="0">
-                <a:latin typeface="Calibri" panose="020F0502020204030204" pitchFamily="34" charset="0"/>
-                <a:cs typeface="Calibri" panose="020F0502020204030204" pitchFamily="34" charset="0"/>
-              </a:rPr>
-              <a:t>Use social capital on what’s important…</a:t>
-            </a:r>
-          </a:p>
-          <a:p>
-            <a:pPr marL="0" indent="0">
-              <a:buNone/>
-            </a:pPr>
-            <a:endParaRPr lang="en-US" sz="2000" dirty="0">
-              <a:latin typeface="Palatino Linotype" panose="02040502050505030304" pitchFamily="18" charset="0"/>
-            </a:endParaRPr>
-          </a:p>
-        </p:txBody>
-      </p:sp>
-      <p:pic>
-        <p:nvPicPr>
-          <p:cNvPr id="5" name="Picture 4" descr="Volume sliders">
-            <a:extLst>
-              <a:ext uri="{FF2B5EF4-FFF2-40B4-BE49-F238E27FC236}">
-                <a16:creationId xmlns:a16="http://schemas.microsoft.com/office/drawing/2014/main" id="{325D5531-D7F9-180E-F11A-872BEF862DD3}"/>
-              </a:ext>
-            </a:extLst>
-          </p:cNvPr>
-          <p:cNvPicPr>
-            <a:picLocks noChangeAspect="1"/>
-          </p:cNvPicPr>
-          <p:nvPr/>
-        </p:nvPicPr>
-        <p:blipFill rotWithShape="1">
-          <a:blip r:embed="rId3"/>
-          <a:srcRect l="13335" r="24538" b="-1"/>
-          <a:stretch/>
-        </p:blipFill>
-        <p:spPr>
-          <a:xfrm>
-            <a:off x="6857797" y="-10886"/>
-            <a:ext cx="5334204" cy="6868886"/>
-          </a:xfrm>
-          <a:prstGeom prst="rect">
-            <a:avLst/>
-          </a:prstGeom>
-          <a:effectLst>
-            <a:outerShdw blurRad="127000" dist="50800" dir="10800000" sx="99000" sy="99000" algn="r" rotWithShape="0">
-              <a:prstClr val="black">
-                <a:alpha val="40000"/>
-              </a:prstClr>
-            </a:outerShdw>
-          </a:effectLst>
-        </p:spPr>
-      </p:pic>
-    </p:spTree>
-    <p:extLst>
-      <p:ext uri="{BB962C8B-B14F-4D97-AF65-F5344CB8AC3E}">
-        <p14:creationId xmlns:p14="http://schemas.microsoft.com/office/powerpoint/2010/main" val="124210845"/>
-      </p:ext>
-    </p:extLst>
-  </p:cSld>
-  <p:clrMapOvr>
-    <a:masterClrMapping/>
-  </p:clrMapOvr>
-</p:sld>
-</file>
-
-<file path=ppt/slides/slide11.xml><?xml version="1.0" encoding="utf-8"?>
-<p:sld xmlns:a="http://schemas.openxmlformats.org/drawingml/2006/main" xmlns:r="http://schemas.openxmlformats.org/officeDocument/2006/relationships" xmlns:p="http://schemas.openxmlformats.org/presentationml/2006/main">
-  <p:cSld>
-    <p:spTree>
-      <p:nvGrpSpPr>
-        <p:cNvPr id="1" name=""/>
-        <p:cNvGrpSpPr/>
-        <p:nvPr/>
-      </p:nvGrpSpPr>
-      <p:grpSpPr>
-        <a:xfrm>
-          <a:off x="0" y="0"/>
-          <a:ext cx="0" cy="0"/>
-          <a:chOff x="0" y="0"/>
-          <a:chExt cx="0" cy="0"/>
-        </a:xfrm>
-      </p:grpSpPr>
-      <p:sp>
-        <p:nvSpPr>
-          <p:cNvPr id="2" name="Title 1">
-            <a:extLst>
-              <a:ext uri="{FF2B5EF4-FFF2-40B4-BE49-F238E27FC236}">
-                <a16:creationId xmlns:a16="http://schemas.microsoft.com/office/drawing/2014/main" id="{C3CFDE32-EABF-C041-BA37-382B0E0AFAFB}"/>
-              </a:ext>
-            </a:extLst>
-          </p:cNvPr>
-          <p:cNvSpPr>
-            <a:spLocks noGrp="1"/>
-          </p:cNvSpPr>
-          <p:nvPr>
-            <p:ph type="title"/>
-          </p:nvPr>
-        </p:nvSpPr>
-        <p:spPr/>
-        <p:txBody>
-          <a:bodyPr/>
-          <a:lstStyle/>
-          <a:p>
-            <a:r>
-              <a:rPr lang="en-US" b="1" dirty="0">
-                <a:latin typeface="Calibri" panose="020F0502020204030204" pitchFamily="34" charset="0"/>
-                <a:cs typeface="Calibri" panose="020F0502020204030204" pitchFamily="34" charset="0"/>
-              </a:rPr>
-              <a:t>Step 4:</a:t>
-            </a:r>
-            <a:r>
-              <a:rPr lang="en-US" dirty="0">
-                <a:latin typeface="Calibri" panose="020F0502020204030204" pitchFamily="34" charset="0"/>
-                <a:cs typeface="Calibri" panose="020F0502020204030204" pitchFamily="34" charset="0"/>
-              </a:rPr>
-              <a:t> Lower the Power Distance</a:t>
-            </a:r>
-          </a:p>
-        </p:txBody>
-      </p:sp>
-      <p:sp>
-        <p:nvSpPr>
-          <p:cNvPr id="3" name="Content Placeholder 2">
-            <a:extLst>
-              <a:ext uri="{FF2B5EF4-FFF2-40B4-BE49-F238E27FC236}">
-                <a16:creationId xmlns:a16="http://schemas.microsoft.com/office/drawing/2014/main" id="{B9D6AA41-A828-DA41-9293-29AB61EB21A1}"/>
-              </a:ext>
-            </a:extLst>
-          </p:cNvPr>
-          <p:cNvSpPr>
-            <a:spLocks noGrp="1"/>
-          </p:cNvSpPr>
-          <p:nvPr>
-            <p:ph idx="1"/>
-          </p:nvPr>
-        </p:nvSpPr>
-        <p:spPr>
-          <a:xfrm>
-            <a:off x="838200" y="1825625"/>
-            <a:ext cx="5257800" cy="4351338"/>
-          </a:xfrm>
-        </p:spPr>
-        <p:txBody>
-          <a:bodyPr>
-            <a:normAutofit/>
-          </a:bodyPr>
-          <a:lstStyle/>
-          <a:p>
-            <a:r>
-              <a:rPr lang="en-US" dirty="0">
-                <a:latin typeface="Calibri" panose="020F0502020204030204" pitchFamily="34" charset="0"/>
-                <a:cs typeface="Calibri" panose="020F0502020204030204" pitchFamily="34" charset="0"/>
-              </a:rPr>
-              <a:t>Coach, not monarch. </a:t>
-            </a:r>
-          </a:p>
-          <a:p>
-            <a:r>
-              <a:rPr lang="en-US" dirty="0">
-                <a:latin typeface="Calibri" panose="020F0502020204030204" pitchFamily="34" charset="0"/>
-                <a:cs typeface="Calibri" panose="020F0502020204030204" pitchFamily="34" charset="0"/>
-              </a:rPr>
-              <a:t>The first time anyone makes any suggestion that's not ludicrous address them and say: "great point/idea/catch .."</a:t>
-            </a:r>
-          </a:p>
-          <a:p>
-            <a:r>
-              <a:rPr lang="en-US" dirty="0">
-                <a:latin typeface="Calibri" panose="020F0502020204030204" pitchFamily="34" charset="0"/>
-                <a:cs typeface="Calibri" panose="020F0502020204030204" pitchFamily="34" charset="0"/>
-              </a:rPr>
-              <a:t>“Thinking out loud …”</a:t>
-            </a:r>
-          </a:p>
-          <a:p>
-            <a:pPr marL="0" indent="0">
-              <a:buNone/>
-            </a:pPr>
-            <a:endParaRPr lang="en-US" dirty="0"/>
-          </a:p>
-        </p:txBody>
-      </p:sp>
-      <p:pic>
-        <p:nvPicPr>
-          <p:cNvPr id="8194" name="Picture 2" descr="How greater diversity in the cockpit could help airlines avoid a looming  pilot shortage">
-            <a:extLst>
-              <a:ext uri="{FF2B5EF4-FFF2-40B4-BE49-F238E27FC236}">
-                <a16:creationId xmlns:a16="http://schemas.microsoft.com/office/drawing/2014/main" id="{6701B385-5BF6-8D4A-9E8B-4C6324D2E664}"/>
-              </a:ext>
-            </a:extLst>
-          </p:cNvPr>
-          <p:cNvPicPr>
-            <a:picLocks noChangeAspect="1" noChangeArrowheads="1"/>
-          </p:cNvPicPr>
-          <p:nvPr/>
-        </p:nvPicPr>
-        <p:blipFill>
-          <a:blip r:embed="rId3" cstate="email">
-            <a:extLst>
-              <a:ext uri="{28A0092B-C50C-407E-A947-70E740481C1C}">
-                <a14:useLocalDpi xmlns:a14="http://schemas.microsoft.com/office/drawing/2010/main"/>
-              </a:ext>
-            </a:extLst>
-          </a:blip>
-          <a:srcRect/>
-          <a:stretch>
-            <a:fillRect/>
-          </a:stretch>
-        </p:blipFill>
-        <p:spPr bwMode="auto">
-          <a:xfrm>
-            <a:off x="6908800" y="1825625"/>
-            <a:ext cx="4127500" cy="4127500"/>
-          </a:xfrm>
-          <a:prstGeom prst="rect">
-            <a:avLst/>
-          </a:prstGeom>
-          <a:noFill/>
-          <a:extLst>
-            <a:ext uri="{909E8E84-426E-40DD-AFC4-6F175D3DCCD1}">
-              <a14:hiddenFill xmlns:a14="http://schemas.microsoft.com/office/drawing/2010/main">
-                <a:solidFill>
-                  <a:srgbClr val="FFFFFF"/>
-                </a:solidFill>
-              </a14:hiddenFill>
-            </a:ext>
-          </a:extLst>
-        </p:spPr>
-      </p:pic>
-    </p:spTree>
-    <p:extLst>
-      <p:ext uri="{BB962C8B-B14F-4D97-AF65-F5344CB8AC3E}">
-        <p14:creationId xmlns:p14="http://schemas.microsoft.com/office/powerpoint/2010/main" val="3610322472"/>
-      </p:ext>
-    </p:extLst>
-  </p:cSld>
-  <p:clrMapOvr>
-    <a:masterClrMapping/>
-  </p:clrMapOvr>
-</p:sld>
-</file>
-
-<file path=ppt/slides/slide12.xml><?xml version="1.0" encoding="utf-8"?>
-<p:sld xmlns:a="http://schemas.openxmlformats.org/drawingml/2006/main" xmlns:r="http://schemas.openxmlformats.org/officeDocument/2006/relationships" xmlns:p="http://schemas.openxmlformats.org/presentationml/2006/main">
-  <p:cSld>
-    <p:spTree>
-      <p:nvGrpSpPr>
-        <p:cNvPr id="1" name=""/>
-        <p:cNvGrpSpPr/>
-        <p:nvPr/>
-      </p:nvGrpSpPr>
-      <p:grpSpPr>
-        <a:xfrm>
-          <a:off x="0" y="0"/>
-          <a:ext cx="0" cy="0"/>
-          <a:chOff x="0" y="0"/>
-          <a:chExt cx="0" cy="0"/>
-        </a:xfrm>
-      </p:grpSpPr>
       <p:sp>
         <p:nvSpPr>
           <p:cNvPr id="2" name="Title 1">
@@ -5734,384 +5157,6 @@
 </file>
 
 <file path=ppt/slides/slide2.xml><?xml version="1.0" encoding="utf-8"?>
-<p:sld xmlns:a="http://schemas.openxmlformats.org/drawingml/2006/main" xmlns:r="http://schemas.openxmlformats.org/officeDocument/2006/relationships" xmlns:p="http://schemas.openxmlformats.org/presentationml/2006/main">
-  <p:cSld>
-    <p:spTree>
-      <p:nvGrpSpPr>
-        <p:cNvPr id="1" name=""/>
-        <p:cNvGrpSpPr/>
-        <p:nvPr/>
-      </p:nvGrpSpPr>
-      <p:grpSpPr>
-        <a:xfrm>
-          <a:off x="0" y="0"/>
-          <a:ext cx="0" cy="0"/>
-          <a:chOff x="0" y="0"/>
-          <a:chExt cx="0" cy="0"/>
-        </a:xfrm>
-      </p:grpSpPr>
-      <p:sp>
-        <p:nvSpPr>
-          <p:cNvPr id="2" name="Title 1">
-            <a:extLst>
-              <a:ext uri="{FF2B5EF4-FFF2-40B4-BE49-F238E27FC236}">
-                <a16:creationId xmlns:a16="http://schemas.microsoft.com/office/drawing/2014/main" id="{61253F2B-FE36-824E-9A01-52E16974AF94}"/>
-              </a:ext>
-            </a:extLst>
-          </p:cNvPr>
-          <p:cNvSpPr>
-            <a:spLocks noGrp="1"/>
-          </p:cNvSpPr>
-          <p:nvPr>
-            <p:ph type="title"/>
-          </p:nvPr>
-        </p:nvSpPr>
-        <p:spPr>
-          <a:xfrm>
-            <a:off x="838200" y="60320"/>
-            <a:ext cx="10515600" cy="1325563"/>
-          </a:xfrm>
-        </p:spPr>
-        <p:txBody>
-          <a:bodyPr/>
-          <a:lstStyle/>
-          <a:p>
-            <a:pPr marL="0" indent="0">
-              <a:buNone/>
-            </a:pPr>
-            <a:r>
-              <a:rPr lang="en-US" dirty="0">
-                <a:latin typeface="Calibri" panose="020F0502020204030204" pitchFamily="34" charset="0"/>
-                <a:cs typeface="Calibri" panose="020F0502020204030204" pitchFamily="34" charset="0"/>
-              </a:rPr>
-              <a:t>Hello, nice to meet you. Let’s code</a:t>
-            </a:r>
-          </a:p>
-        </p:txBody>
-      </p:sp>
-      <p:pic>
-        <p:nvPicPr>
-          <p:cNvPr id="4" name="New picture">
-            <a:extLst>
-              <a:ext uri="{FF2B5EF4-FFF2-40B4-BE49-F238E27FC236}">
-                <a16:creationId xmlns:a16="http://schemas.microsoft.com/office/drawing/2014/main" id="{9A03CFCD-C937-AE46-8DD9-83877A45D083}"/>
-              </a:ext>
-            </a:extLst>
-          </p:cNvPr>
-          <p:cNvPicPr>
-            <a:picLocks noChangeAspect="1" noChangeArrowheads="1"/>
-          </p:cNvPicPr>
-          <p:nvPr>
-            <p:custDataLst>
-              <p:tags r:id="rId1"/>
-            </p:custDataLst>
-          </p:nvPr>
-        </p:nvPicPr>
-        <p:blipFill>
-          <a:blip r:embed="rId4" cstate="email">
-            <a:extLst>
-              <a:ext uri="{28A0092B-C50C-407E-A947-70E740481C1C}">
-                <a14:useLocalDpi xmlns:a14="http://schemas.microsoft.com/office/drawing/2010/main"/>
-              </a:ext>
-            </a:extLst>
-          </a:blip>
-          <a:srcRect/>
-          <a:stretch>
-            <a:fillRect/>
-          </a:stretch>
-        </p:blipFill>
-        <p:spPr bwMode="auto">
-          <a:xfrm>
-            <a:off x="543384" y="1267106"/>
-            <a:ext cx="11435431" cy="3714750"/>
-          </a:xfrm>
-          <a:prstGeom prst="rect">
-            <a:avLst/>
-          </a:prstGeom>
-          <a:noFill/>
-          <a:ln>
-            <a:noFill/>
-          </a:ln>
-          <a:extLst>
-            <a:ext uri="{909E8E84-426E-40DD-AFC4-6F175D3DCCD1}">
-              <a14:hiddenFill xmlns:a14="http://schemas.microsoft.com/office/drawing/2010/main">
-                <a:solidFill>
-                  <a:srgbClr val="FFFFFF"/>
-                </a:solidFill>
-              </a14:hiddenFill>
-            </a:ext>
-            <a:ext uri="{91240B29-F687-4F45-9708-019B960494DF}">
-              <a14:hiddenLine xmlns:a14="http://schemas.microsoft.com/office/drawing/2010/main" w="9525" cap="flat" algn="ctr">
-                <a:solidFill>
-                  <a:srgbClr val="000000"/>
-                </a:solidFill>
-                <a:prstDash val="solid"/>
-                <a:round/>
-                <a:headEnd type="none" w="med" len="med"/>
-                <a:tailEnd type="none" w="med" len="med"/>
-              </a14:hiddenLine>
-            </a:ext>
-          </a:extLst>
-        </p:spPr>
-      </p:pic>
-      <p:sp>
-        <p:nvSpPr>
-          <p:cNvPr id="5" name="Rectangle 4">
-            <a:extLst>
-              <a:ext uri="{FF2B5EF4-FFF2-40B4-BE49-F238E27FC236}">
-                <a16:creationId xmlns:a16="http://schemas.microsoft.com/office/drawing/2014/main" id="{F8B13AC4-2F5B-4042-88D5-9036D583E641}"/>
-              </a:ext>
-            </a:extLst>
-          </p:cNvPr>
-          <p:cNvSpPr/>
-          <p:nvPr/>
-        </p:nvSpPr>
-        <p:spPr>
-          <a:xfrm>
-            <a:off x="594770" y="4927978"/>
-            <a:ext cx="3891002" cy="369332"/>
-          </a:xfrm>
-          <a:prstGeom prst="rect">
-            <a:avLst/>
-          </a:prstGeom>
-        </p:spPr>
-        <p:txBody>
-          <a:bodyPr wrap="none">
-            <a:spAutoFit/>
-          </a:bodyPr>
-          <a:lstStyle/>
-          <a:p>
-            <a:r>
-              <a:rPr lang="en-US" dirty="0">
-                <a:ln w="9525" cap="flat" cmpd="sng" algn="ctr">
-                  <a:noFill/>
-                  <a:prstDash val="solid"/>
-                  <a:round/>
-                  <a:headEnd type="none" w="med" len="med"/>
-                  <a:tailEnd type="none" w="med" len="med"/>
-                </a:ln>
-                <a:solidFill>
-                  <a:srgbClr val="000000"/>
-                </a:solidFill>
-                <a:latin typeface="Calibri" panose="020F0502020204030204" pitchFamily="34" charset="0"/>
-                <a:ea typeface="Arial"/>
-                <a:cs typeface="Calibri" panose="020F0502020204030204" pitchFamily="34" charset="0"/>
-                <a:sym typeface="Wingdings"/>
-              </a:rPr>
-              <a:t>doi:10.1001/jamainternmed.2019.2420</a:t>
-            </a:r>
-            <a:endParaRPr lang="en-US" dirty="0">
-              <a:latin typeface="Calibri" panose="020F0502020204030204" pitchFamily="34" charset="0"/>
-              <a:cs typeface="Calibri" panose="020F0502020204030204" pitchFamily="34" charset="0"/>
-            </a:endParaRPr>
-          </a:p>
-        </p:txBody>
-      </p:sp>
-      <p:sp>
-        <p:nvSpPr>
-          <p:cNvPr id="6" name="Rectangle 5">
-            <a:extLst>
-              <a:ext uri="{FF2B5EF4-FFF2-40B4-BE49-F238E27FC236}">
-                <a16:creationId xmlns:a16="http://schemas.microsoft.com/office/drawing/2014/main" id="{7E322C3E-0ACA-6E46-9D80-BDBECC8FF5AA}"/>
-              </a:ext>
-            </a:extLst>
-          </p:cNvPr>
-          <p:cNvSpPr/>
-          <p:nvPr/>
-        </p:nvSpPr>
-        <p:spPr>
-          <a:xfrm>
-            <a:off x="4140200" y="2035456"/>
-            <a:ext cx="7073900" cy="635000"/>
-          </a:xfrm>
-          <a:prstGeom prst="rect">
-            <a:avLst/>
-          </a:prstGeom>
-          <a:noFill/>
-          <a:ln w="31750">
-            <a:solidFill>
-              <a:srgbClr val="FF0000"/>
-            </a:solidFill>
-          </a:ln>
-        </p:spPr>
-        <p:style>
-          <a:lnRef idx="2">
-            <a:schemeClr val="accent1">
-              <a:shade val="50000"/>
-            </a:schemeClr>
-          </a:lnRef>
-          <a:fillRef idx="1">
-            <a:schemeClr val="accent1"/>
-          </a:fillRef>
-          <a:effectRef idx="0">
-            <a:schemeClr val="accent1"/>
-          </a:effectRef>
-          <a:fontRef idx="minor">
-            <a:schemeClr val="lt1"/>
-          </a:fontRef>
-        </p:style>
-        <p:txBody>
-          <a:bodyPr rtlCol="0" anchor="ctr"/>
-          <a:lstStyle/>
-          <a:p>
-            <a:pPr algn="ctr"/>
-            <a:endParaRPr lang="en-US"/>
-          </a:p>
-        </p:txBody>
-      </p:sp>
-      <p:sp>
-        <p:nvSpPr>
-          <p:cNvPr id="9" name="Rectangle 8">
-            <a:extLst>
-              <a:ext uri="{FF2B5EF4-FFF2-40B4-BE49-F238E27FC236}">
-                <a16:creationId xmlns:a16="http://schemas.microsoft.com/office/drawing/2014/main" id="{81604785-4EEA-5492-F398-AA52D58F6174}"/>
-              </a:ext>
-            </a:extLst>
-          </p:cNvPr>
-          <p:cNvSpPr/>
-          <p:nvPr/>
-        </p:nvSpPr>
-        <p:spPr>
-          <a:xfrm>
-            <a:off x="1188838" y="5768224"/>
-            <a:ext cx="9361089" cy="738664"/>
-          </a:xfrm>
-          <a:prstGeom prst="rect">
-            <a:avLst/>
-          </a:prstGeom>
-        </p:spPr>
-        <p:txBody>
-          <a:bodyPr wrap="none">
-            <a:spAutoFit/>
-          </a:bodyPr>
-          <a:lstStyle/>
-          <a:p>
-            <a:r>
-              <a:rPr lang="en-US" sz="2400" b="0" i="0" dirty="0">
-                <a:solidFill>
-                  <a:srgbClr val="000000"/>
-                </a:solidFill>
-                <a:effectLst/>
-                <a:latin typeface="Calibri" panose="020F0502020204030204" pitchFamily="34" charset="0"/>
-                <a:cs typeface="Calibri" panose="020F0502020204030204" pitchFamily="34" charset="0"/>
-              </a:rPr>
-              <a:t>Many institutions don’t have physicians on the rapid response team at all </a:t>
-            </a:r>
-          </a:p>
-          <a:p>
-            <a:r>
-              <a:rPr lang="en-US" dirty="0">
-                <a:solidFill>
-                  <a:srgbClr val="000000"/>
-                </a:solidFill>
-                <a:latin typeface="Calibri" panose="020F0502020204030204" pitchFamily="34" charset="0"/>
-                <a:cs typeface="Calibri" panose="020F0502020204030204" pitchFamily="34" charset="0"/>
-              </a:rPr>
-              <a:t>(So, consider how you will add value; </a:t>
-            </a:r>
-            <a:r>
-              <a:rPr lang="en-US" b="0" i="0" dirty="0">
-                <a:solidFill>
-                  <a:srgbClr val="000000"/>
-                </a:solidFill>
-                <a:effectLst/>
-                <a:latin typeface="Calibri" panose="020F0502020204030204" pitchFamily="34" charset="0"/>
-                <a:cs typeface="Calibri" panose="020F0502020204030204" pitchFamily="34" charset="0"/>
-              </a:rPr>
-              <a:t>PMID: </a:t>
-            </a:r>
-            <a:r>
-              <a:rPr lang="en-US" b="0" i="0" dirty="0">
-                <a:solidFill>
-                  <a:srgbClr val="2F4A8B"/>
-                </a:solidFill>
-                <a:effectLst/>
-                <a:latin typeface="Calibri" panose="020F0502020204030204" pitchFamily="34" charset="0"/>
-                <a:cs typeface="Calibri" panose="020F0502020204030204" pitchFamily="34" charset="0"/>
-                <a:hlinkClick r:id="rId5"/>
-              </a:rPr>
-              <a:t>25977203</a:t>
-            </a:r>
-            <a:r>
-              <a:rPr lang="en-US" b="0" i="0" dirty="0">
-                <a:solidFill>
-                  <a:srgbClr val="2F4A8B"/>
-                </a:solidFill>
-                <a:effectLst/>
-                <a:latin typeface="Calibri" panose="020F0502020204030204" pitchFamily="34" charset="0"/>
-                <a:cs typeface="Calibri" panose="020F0502020204030204" pitchFamily="34" charset="0"/>
-              </a:rPr>
-              <a:t>)</a:t>
-            </a:r>
-            <a:endParaRPr lang="en-US" dirty="0">
-              <a:latin typeface="Calibri" panose="020F0502020204030204" pitchFamily="34" charset="0"/>
-              <a:cs typeface="Calibri" panose="020F0502020204030204" pitchFamily="34" charset="0"/>
-            </a:endParaRPr>
-          </a:p>
-        </p:txBody>
-      </p:sp>
-      <p:sp>
-        <p:nvSpPr>
-          <p:cNvPr id="7" name="Rectangle 6">
-            <a:extLst>
-              <a:ext uri="{FF2B5EF4-FFF2-40B4-BE49-F238E27FC236}">
-                <a16:creationId xmlns:a16="http://schemas.microsoft.com/office/drawing/2014/main" id="{AEAF6A46-334F-9635-F038-9B17B4FF8F2B}"/>
-              </a:ext>
-            </a:extLst>
-          </p:cNvPr>
-          <p:cNvSpPr/>
-          <p:nvPr/>
-        </p:nvSpPr>
-        <p:spPr>
-          <a:xfrm>
-            <a:off x="1699719" y="3586841"/>
-            <a:ext cx="1816716" cy="369332"/>
-          </a:xfrm>
-          <a:prstGeom prst="rect">
-            <a:avLst/>
-          </a:prstGeom>
-        </p:spPr>
-        <p:txBody>
-          <a:bodyPr wrap="none">
-            <a:spAutoFit/>
-          </a:bodyPr>
-          <a:lstStyle/>
-          <a:p>
-            <a:r>
-              <a:rPr lang="en-US" b="0" i="0" dirty="0">
-                <a:solidFill>
-                  <a:srgbClr val="FF0000"/>
-                </a:solidFill>
-                <a:effectLst/>
-                <a:latin typeface="Calibri" panose="020F0502020204030204" pitchFamily="34" charset="0"/>
-                <a:cs typeface="Calibri" panose="020F0502020204030204" pitchFamily="34" charset="0"/>
-              </a:rPr>
-              <a:t>(We’ll revisit this)</a:t>
-            </a:r>
-            <a:endParaRPr lang="en-US" dirty="0">
-              <a:solidFill>
-                <a:srgbClr val="FF0000"/>
-              </a:solidFill>
-              <a:latin typeface="Calibri" panose="020F0502020204030204" pitchFamily="34" charset="0"/>
-              <a:cs typeface="Calibri" panose="020F0502020204030204" pitchFamily="34" charset="0"/>
-            </a:endParaRPr>
-          </a:p>
-        </p:txBody>
-      </p:sp>
-    </p:spTree>
-    <p:extLst>
-      <p:ext uri="{BB962C8B-B14F-4D97-AF65-F5344CB8AC3E}">
-        <p14:creationId xmlns:p14="http://schemas.microsoft.com/office/powerpoint/2010/main" val="339182943"/>
-      </p:ext>
-    </p:extLst>
-  </p:cSld>
-  <p:clrMapOvr>
-    <a:masterClrMapping/>
-  </p:clrMapOvr>
-</p:sld>
-</file>
-
-<file path=ppt/slides/slide3.xml><?xml version="1.0" encoding="utf-8"?>
 <p:sld xmlns:a="http://schemas.openxmlformats.org/drawingml/2006/main" xmlns:r="http://schemas.openxmlformats.org/officeDocument/2006/relationships" xmlns:p="http://schemas.openxmlformats.org/presentationml/2006/main">
   <p:cSld>
     <p:spTree>
@@ -6413,10 +5458,423 @@
           </a:p>
         </p:txBody>
       </p:sp>
+      <p:sp>
+        <p:nvSpPr>
+          <p:cNvPr id="3" name="TextBox 2">
+            <a:extLst>
+              <a:ext uri="{FF2B5EF4-FFF2-40B4-BE49-F238E27FC236}">
+                <a16:creationId xmlns:a16="http://schemas.microsoft.com/office/drawing/2014/main" id="{D3D7816C-DB1D-B108-53DC-354B9DD23A70}"/>
+              </a:ext>
+            </a:extLst>
+          </p:cNvPr>
+          <p:cNvSpPr txBox="1"/>
+          <p:nvPr/>
+        </p:nvSpPr>
+        <p:spPr>
+          <a:xfrm>
+            <a:off x="249382" y="1385508"/>
+            <a:ext cx="3422073" cy="369332"/>
+          </a:xfrm>
+          <a:prstGeom prst="rect">
+            <a:avLst/>
+          </a:prstGeom>
+          <a:noFill/>
+        </p:spPr>
+        <p:txBody>
+          <a:bodyPr wrap="square" rtlCol="0">
+            <a:spAutoFit/>
+          </a:bodyPr>
+          <a:lstStyle/>
+          <a:p>
+            <a:r>
+              <a:rPr lang="en-US" dirty="0"/>
+              <a:t>*Pre-assign your team’s roles?</a:t>
+            </a:r>
+          </a:p>
+        </p:txBody>
+      </p:sp>
     </p:spTree>
     <p:extLst>
       <p:ext uri="{BB962C8B-B14F-4D97-AF65-F5344CB8AC3E}">
         <p14:creationId xmlns:p14="http://schemas.microsoft.com/office/powerpoint/2010/main" val="1611305936"/>
+      </p:ext>
+    </p:extLst>
+  </p:cSld>
+  <p:clrMapOvr>
+    <a:masterClrMapping/>
+  </p:clrMapOvr>
+</p:sld>
+</file>
+
+<file path=ppt/slides/slide3.xml><?xml version="1.0" encoding="utf-8"?>
+<p:sld xmlns:a="http://schemas.openxmlformats.org/drawingml/2006/main" xmlns:r="http://schemas.openxmlformats.org/officeDocument/2006/relationships" xmlns:p="http://schemas.openxmlformats.org/presentationml/2006/main">
+  <p:cSld>
+    <p:spTree>
+      <p:nvGrpSpPr>
+        <p:cNvPr id="1" name=""/>
+        <p:cNvGrpSpPr/>
+        <p:nvPr/>
+      </p:nvGrpSpPr>
+      <p:grpSpPr>
+        <a:xfrm>
+          <a:off x="0" y="0"/>
+          <a:ext cx="0" cy="0"/>
+          <a:chOff x="0" y="0"/>
+          <a:chExt cx="0" cy="0"/>
+        </a:xfrm>
+      </p:grpSpPr>
+      <p:sp>
+        <p:nvSpPr>
+          <p:cNvPr id="2" name="Title 1">
+            <a:extLst>
+              <a:ext uri="{FF2B5EF4-FFF2-40B4-BE49-F238E27FC236}">
+                <a16:creationId xmlns:a16="http://schemas.microsoft.com/office/drawing/2014/main" id="{61253F2B-FE36-824E-9A01-52E16974AF94}"/>
+              </a:ext>
+            </a:extLst>
+          </p:cNvPr>
+          <p:cNvSpPr>
+            <a:spLocks noGrp="1"/>
+          </p:cNvSpPr>
+          <p:nvPr>
+            <p:ph type="title"/>
+          </p:nvPr>
+        </p:nvSpPr>
+        <p:spPr>
+          <a:xfrm>
+            <a:off x="838200" y="60320"/>
+            <a:ext cx="10515600" cy="1325563"/>
+          </a:xfrm>
+        </p:spPr>
+        <p:txBody>
+          <a:bodyPr/>
+          <a:lstStyle/>
+          <a:p>
+            <a:pPr marL="0" indent="0">
+              <a:buNone/>
+            </a:pPr>
+            <a:r>
+              <a:rPr lang="en-US" dirty="0">
+                <a:latin typeface="Calibri" panose="020F0502020204030204" pitchFamily="34" charset="0"/>
+                <a:cs typeface="Calibri" panose="020F0502020204030204" pitchFamily="34" charset="0"/>
+              </a:rPr>
+              <a:t>Hello, nice to meet you. Let’s code</a:t>
+            </a:r>
+          </a:p>
+        </p:txBody>
+      </p:sp>
+      <p:pic>
+        <p:nvPicPr>
+          <p:cNvPr id="4" name="New picture">
+            <a:extLst>
+              <a:ext uri="{FF2B5EF4-FFF2-40B4-BE49-F238E27FC236}">
+                <a16:creationId xmlns:a16="http://schemas.microsoft.com/office/drawing/2014/main" id="{9A03CFCD-C937-AE46-8DD9-83877A45D083}"/>
+              </a:ext>
+            </a:extLst>
+          </p:cNvPr>
+          <p:cNvPicPr>
+            <a:picLocks noChangeAspect="1" noChangeArrowheads="1"/>
+          </p:cNvPicPr>
+          <p:nvPr>
+            <p:custDataLst>
+              <p:tags r:id="rId1"/>
+            </p:custDataLst>
+          </p:nvPr>
+        </p:nvPicPr>
+        <p:blipFill>
+          <a:blip r:embed="rId4" cstate="email">
+            <a:extLst>
+              <a:ext uri="{28A0092B-C50C-407E-A947-70E740481C1C}">
+                <a14:useLocalDpi xmlns:a14="http://schemas.microsoft.com/office/drawing/2010/main"/>
+              </a:ext>
+            </a:extLst>
+          </a:blip>
+          <a:srcRect/>
+          <a:stretch>
+            <a:fillRect/>
+          </a:stretch>
+        </p:blipFill>
+        <p:spPr bwMode="auto">
+          <a:xfrm>
+            <a:off x="543384" y="1267106"/>
+            <a:ext cx="11435431" cy="3714750"/>
+          </a:xfrm>
+          <a:prstGeom prst="rect">
+            <a:avLst/>
+          </a:prstGeom>
+          <a:noFill/>
+          <a:ln>
+            <a:noFill/>
+          </a:ln>
+          <a:extLst>
+            <a:ext uri="{909E8E84-426E-40DD-AFC4-6F175D3DCCD1}">
+              <a14:hiddenFill xmlns:a14="http://schemas.microsoft.com/office/drawing/2010/main">
+                <a:solidFill>
+                  <a:srgbClr val="FFFFFF"/>
+                </a:solidFill>
+              </a14:hiddenFill>
+            </a:ext>
+            <a:ext uri="{91240B29-F687-4F45-9708-019B960494DF}">
+              <a14:hiddenLine xmlns:a14="http://schemas.microsoft.com/office/drawing/2010/main" w="9525" cap="flat" algn="ctr">
+                <a:solidFill>
+                  <a:srgbClr val="000000"/>
+                </a:solidFill>
+                <a:prstDash val="solid"/>
+                <a:round/>
+                <a:headEnd type="none" w="med" len="med"/>
+                <a:tailEnd type="none" w="med" len="med"/>
+              </a14:hiddenLine>
+            </a:ext>
+          </a:extLst>
+        </p:spPr>
+      </p:pic>
+      <p:sp>
+        <p:nvSpPr>
+          <p:cNvPr id="5" name="Rectangle 4">
+            <a:extLst>
+              <a:ext uri="{FF2B5EF4-FFF2-40B4-BE49-F238E27FC236}">
+                <a16:creationId xmlns:a16="http://schemas.microsoft.com/office/drawing/2014/main" id="{F8B13AC4-2F5B-4042-88D5-9036D583E641}"/>
+              </a:ext>
+            </a:extLst>
+          </p:cNvPr>
+          <p:cNvSpPr/>
+          <p:nvPr/>
+        </p:nvSpPr>
+        <p:spPr>
+          <a:xfrm>
+            <a:off x="594770" y="4927978"/>
+            <a:ext cx="3891002" cy="369332"/>
+          </a:xfrm>
+          <a:prstGeom prst="rect">
+            <a:avLst/>
+          </a:prstGeom>
+        </p:spPr>
+        <p:txBody>
+          <a:bodyPr wrap="none">
+            <a:spAutoFit/>
+          </a:bodyPr>
+          <a:lstStyle/>
+          <a:p>
+            <a:r>
+              <a:rPr lang="en-US" dirty="0">
+                <a:ln w="9525" cap="flat" cmpd="sng" algn="ctr">
+                  <a:noFill/>
+                  <a:prstDash val="solid"/>
+                  <a:round/>
+                  <a:headEnd type="none" w="med" len="med"/>
+                  <a:tailEnd type="none" w="med" len="med"/>
+                </a:ln>
+                <a:solidFill>
+                  <a:srgbClr val="000000"/>
+                </a:solidFill>
+                <a:latin typeface="Calibri" panose="020F0502020204030204" pitchFamily="34" charset="0"/>
+                <a:ea typeface="Arial"/>
+                <a:cs typeface="Calibri" panose="020F0502020204030204" pitchFamily="34" charset="0"/>
+                <a:sym typeface="Wingdings"/>
+              </a:rPr>
+              <a:t>doi:10.1001/jamainternmed.2019.2420</a:t>
+            </a:r>
+            <a:endParaRPr lang="en-US" dirty="0">
+              <a:latin typeface="Calibri" panose="020F0502020204030204" pitchFamily="34" charset="0"/>
+              <a:cs typeface="Calibri" panose="020F0502020204030204" pitchFamily="34" charset="0"/>
+            </a:endParaRPr>
+          </a:p>
+        </p:txBody>
+      </p:sp>
+      <p:sp>
+        <p:nvSpPr>
+          <p:cNvPr id="6" name="Rectangle 5">
+            <a:extLst>
+              <a:ext uri="{FF2B5EF4-FFF2-40B4-BE49-F238E27FC236}">
+                <a16:creationId xmlns:a16="http://schemas.microsoft.com/office/drawing/2014/main" id="{7E322C3E-0ACA-6E46-9D80-BDBECC8FF5AA}"/>
+              </a:ext>
+            </a:extLst>
+          </p:cNvPr>
+          <p:cNvSpPr/>
+          <p:nvPr/>
+        </p:nvSpPr>
+        <p:spPr>
+          <a:xfrm>
+            <a:off x="4140200" y="2035456"/>
+            <a:ext cx="7073900" cy="635000"/>
+          </a:xfrm>
+          <a:prstGeom prst="rect">
+            <a:avLst/>
+          </a:prstGeom>
+          <a:noFill/>
+          <a:ln w="31750">
+            <a:solidFill>
+              <a:srgbClr val="FF0000"/>
+            </a:solidFill>
+          </a:ln>
+        </p:spPr>
+        <p:style>
+          <a:lnRef idx="2">
+            <a:schemeClr val="accent1">
+              <a:shade val="50000"/>
+            </a:schemeClr>
+          </a:lnRef>
+          <a:fillRef idx="1">
+            <a:schemeClr val="accent1"/>
+          </a:fillRef>
+          <a:effectRef idx="0">
+            <a:schemeClr val="accent1"/>
+          </a:effectRef>
+          <a:fontRef idx="minor">
+            <a:schemeClr val="lt1"/>
+          </a:fontRef>
+        </p:style>
+        <p:txBody>
+          <a:bodyPr rtlCol="0" anchor="ctr"/>
+          <a:lstStyle/>
+          <a:p>
+            <a:pPr algn="ctr"/>
+            <a:endParaRPr lang="en-US"/>
+          </a:p>
+        </p:txBody>
+      </p:sp>
+      <p:sp>
+        <p:nvSpPr>
+          <p:cNvPr id="9" name="Rectangle 8">
+            <a:extLst>
+              <a:ext uri="{FF2B5EF4-FFF2-40B4-BE49-F238E27FC236}">
+                <a16:creationId xmlns:a16="http://schemas.microsoft.com/office/drawing/2014/main" id="{81604785-4EEA-5492-F398-AA52D58F6174}"/>
+              </a:ext>
+            </a:extLst>
+          </p:cNvPr>
+          <p:cNvSpPr/>
+          <p:nvPr/>
+        </p:nvSpPr>
+        <p:spPr>
+          <a:xfrm>
+            <a:off x="1188838" y="5768224"/>
+            <a:ext cx="9361089" cy="738664"/>
+          </a:xfrm>
+          <a:prstGeom prst="rect">
+            <a:avLst/>
+          </a:prstGeom>
+        </p:spPr>
+        <p:txBody>
+          <a:bodyPr wrap="none">
+            <a:spAutoFit/>
+          </a:bodyPr>
+          <a:lstStyle/>
+          <a:p>
+            <a:r>
+              <a:rPr lang="en-US" sz="2400" b="0" i="0" dirty="0">
+                <a:solidFill>
+                  <a:srgbClr val="000000"/>
+                </a:solidFill>
+                <a:effectLst/>
+                <a:latin typeface="Calibri" panose="020F0502020204030204" pitchFamily="34" charset="0"/>
+                <a:cs typeface="Calibri" panose="020F0502020204030204" pitchFamily="34" charset="0"/>
+              </a:rPr>
+              <a:t>Many institutions don’t have physicians on the rapid response team at all </a:t>
+            </a:r>
+          </a:p>
+          <a:p>
+            <a:r>
+              <a:rPr lang="en-US" dirty="0">
+                <a:solidFill>
+                  <a:srgbClr val="000000"/>
+                </a:solidFill>
+                <a:latin typeface="Calibri" panose="020F0502020204030204" pitchFamily="34" charset="0"/>
+                <a:cs typeface="Calibri" panose="020F0502020204030204" pitchFamily="34" charset="0"/>
+              </a:rPr>
+              <a:t>(So, consider how you will add value; </a:t>
+            </a:r>
+            <a:r>
+              <a:rPr lang="en-US" b="0" i="0" dirty="0">
+                <a:solidFill>
+                  <a:srgbClr val="000000"/>
+                </a:solidFill>
+                <a:effectLst/>
+                <a:latin typeface="Calibri" panose="020F0502020204030204" pitchFamily="34" charset="0"/>
+                <a:cs typeface="Calibri" panose="020F0502020204030204" pitchFamily="34" charset="0"/>
+              </a:rPr>
+              <a:t>PMID: </a:t>
+            </a:r>
+            <a:r>
+              <a:rPr lang="en-US" b="0" i="0" dirty="0">
+                <a:solidFill>
+                  <a:srgbClr val="2F4A8B"/>
+                </a:solidFill>
+                <a:effectLst/>
+                <a:latin typeface="Calibri" panose="020F0502020204030204" pitchFamily="34" charset="0"/>
+                <a:cs typeface="Calibri" panose="020F0502020204030204" pitchFamily="34" charset="0"/>
+                <a:hlinkClick r:id="rId5"/>
+              </a:rPr>
+              <a:t>25977203</a:t>
+            </a:r>
+            <a:r>
+              <a:rPr lang="en-US" b="0" i="0" dirty="0">
+                <a:solidFill>
+                  <a:srgbClr val="2F4A8B"/>
+                </a:solidFill>
+                <a:effectLst/>
+                <a:latin typeface="Calibri" panose="020F0502020204030204" pitchFamily="34" charset="0"/>
+                <a:cs typeface="Calibri" panose="020F0502020204030204" pitchFamily="34" charset="0"/>
+              </a:rPr>
+              <a:t>)</a:t>
+            </a:r>
+            <a:endParaRPr lang="en-US" dirty="0">
+              <a:latin typeface="Calibri" panose="020F0502020204030204" pitchFamily="34" charset="0"/>
+              <a:cs typeface="Calibri" panose="020F0502020204030204" pitchFamily="34" charset="0"/>
+            </a:endParaRPr>
+          </a:p>
+        </p:txBody>
+      </p:sp>
+      <p:sp>
+        <p:nvSpPr>
+          <p:cNvPr id="7" name="Rectangle 6">
+            <a:extLst>
+              <a:ext uri="{FF2B5EF4-FFF2-40B4-BE49-F238E27FC236}">
+                <a16:creationId xmlns:a16="http://schemas.microsoft.com/office/drawing/2014/main" id="{AEAF6A46-334F-9635-F038-9B17B4FF8F2B}"/>
+              </a:ext>
+            </a:extLst>
+          </p:cNvPr>
+          <p:cNvSpPr/>
+          <p:nvPr/>
+        </p:nvSpPr>
+        <p:spPr>
+          <a:xfrm>
+            <a:off x="1699719" y="3586841"/>
+            <a:ext cx="1816716" cy="369332"/>
+          </a:xfrm>
+          <a:prstGeom prst="rect">
+            <a:avLst/>
+          </a:prstGeom>
+        </p:spPr>
+        <p:txBody>
+          <a:bodyPr wrap="none">
+            <a:spAutoFit/>
+          </a:bodyPr>
+          <a:lstStyle/>
+          <a:p>
+            <a:r>
+              <a:rPr lang="en-US" b="0" i="0" dirty="0">
+                <a:solidFill>
+                  <a:srgbClr val="FF0000"/>
+                </a:solidFill>
+                <a:effectLst/>
+                <a:latin typeface="Calibri" panose="020F0502020204030204" pitchFamily="34" charset="0"/>
+                <a:cs typeface="Calibri" panose="020F0502020204030204" pitchFamily="34" charset="0"/>
+              </a:rPr>
+              <a:t>(We’ll revisit this)</a:t>
+            </a:r>
+            <a:endParaRPr lang="en-US" dirty="0">
+              <a:solidFill>
+                <a:srgbClr val="FF0000"/>
+              </a:solidFill>
+              <a:latin typeface="Calibri" panose="020F0502020204030204" pitchFamily="34" charset="0"/>
+              <a:cs typeface="Calibri" panose="020F0502020204030204" pitchFamily="34" charset="0"/>
+            </a:endParaRPr>
+          </a:p>
+        </p:txBody>
+      </p:sp>
+    </p:spTree>
+    <p:extLst>
+      <p:ext uri="{BB962C8B-B14F-4D97-AF65-F5344CB8AC3E}">
+        <p14:creationId xmlns:p14="http://schemas.microsoft.com/office/powerpoint/2010/main" val="339182943"/>
       </p:ext>
     </p:extLst>
   </p:cSld>
@@ -7324,8 +6782,16 @@
 </file>
 
 <file path=ppt/slides/slide9.xml><?xml version="1.0" encoding="utf-8"?>
-<p:sld xmlns:a="http://schemas.openxmlformats.org/drawingml/2006/main" xmlns:r="http://schemas.openxmlformats.org/officeDocument/2006/relationships" xmlns:p="http://schemas.openxmlformats.org/presentationml/2006/main" show="0">
+<p:sld xmlns:a="http://schemas.openxmlformats.org/drawingml/2006/main" xmlns:r="http://schemas.openxmlformats.org/officeDocument/2006/relationships" xmlns:p="http://schemas.openxmlformats.org/presentationml/2006/main">
   <p:cSld>
+    <p:bg>
+      <p:bgPr>
+        <a:solidFill>
+          <a:schemeClr val="bg1"/>
+        </a:solidFill>
+        <a:effectLst/>
+      </p:bgPr>
+    </p:bg>
     <p:spTree>
       <p:nvGrpSpPr>
         <p:cNvPr id="1" name=""/>
@@ -7340,205 +6806,39 @@
           <a:chExt cx="0" cy="0"/>
         </a:xfrm>
       </p:grpSpPr>
-      <p:pic>
-        <p:nvPicPr>
-          <p:cNvPr id="3" name="Picture 2" descr="Diagram&#10;&#10;Description automatically generated">
-            <a:extLst>
-              <a:ext uri="{FF2B5EF4-FFF2-40B4-BE49-F238E27FC236}">
-                <a16:creationId xmlns:a16="http://schemas.microsoft.com/office/drawing/2014/main" id="{C692A759-83D9-21CF-3227-7EC34B174E37}"/>
-              </a:ext>
-            </a:extLst>
-          </p:cNvPr>
-          <p:cNvPicPr>
-            <a:picLocks noChangeAspect="1"/>
-          </p:cNvPicPr>
-          <p:nvPr/>
-        </p:nvPicPr>
-        <p:blipFill>
-          <a:blip r:embed="rId3" cstate="email">
-            <a:extLst>
-              <a:ext uri="{28A0092B-C50C-407E-A947-70E740481C1C}">
-                <a14:useLocalDpi xmlns:a14="http://schemas.microsoft.com/office/drawing/2010/main"/>
-              </a:ext>
-            </a:extLst>
-          </a:blip>
-          <a:stretch>
-            <a:fillRect/>
-          </a:stretch>
-        </p:blipFill>
+      <p:sp useBgFill="1">
+        <p:nvSpPr>
+          <p:cNvPr id="9" name="Slide Background">
+            <a:extLst>
+              <a:ext uri="{FF2B5EF4-FFF2-40B4-BE49-F238E27FC236}">
+                <a16:creationId xmlns:a16="http://schemas.microsoft.com/office/drawing/2014/main" id="{9F7D5CDA-D291-4307-BF55-1381FED29634}"/>
+              </a:ext>
+              <a:ext uri="{C183D7F6-B498-43B3-948B-1728B52AA6E4}">
+                <adec:decorative xmlns:adec="http://schemas.microsoft.com/office/drawing/2017/decorative" val="1"/>
+              </a:ext>
+            </a:extLst>
+          </p:cNvPr>
+          <p:cNvSpPr>
+            <a:spLocks noGrp="1" noRot="1" noChangeAspect="1" noMove="1" noResize="1" noEditPoints="1" noAdjustHandles="1" noChangeArrowheads="1" noChangeShapeType="1" noTextEdit="1"/>
+          </p:cNvSpPr>
+          <p:nvPr>
+            <p:extLst>
+              <p:ext uri="{386F3935-93C4-4BCD-93E2-E3B085C9AB24}">
+                <p16:designElem xmlns:p16="http://schemas.microsoft.com/office/powerpoint/2015/main" val="1"/>
+              </p:ext>
+            </p:extLst>
+          </p:nvPr>
+        </p:nvSpPr>
         <p:spPr>
           <a:xfrm>
-            <a:off x="8343043" y="3457215"/>
-            <a:ext cx="3848957" cy="3165260"/>
+            <a:off x="0" y="0"/>
+            <a:ext cx="12192000" cy="6858000"/>
           </a:xfrm>
           <a:prstGeom prst="rect">
             <a:avLst/>
           </a:prstGeom>
-        </p:spPr>
-      </p:pic>
-      <p:sp>
-        <p:nvSpPr>
-          <p:cNvPr id="2" name="Title 1">
-            <a:extLst>
-              <a:ext uri="{FF2B5EF4-FFF2-40B4-BE49-F238E27FC236}">
-                <a16:creationId xmlns:a16="http://schemas.microsoft.com/office/drawing/2014/main" id="{AB551551-E2FB-8E46-8F77-F022CB9657A9}"/>
-              </a:ext>
-            </a:extLst>
-          </p:cNvPr>
-          <p:cNvSpPr>
-            <a:spLocks noGrp="1"/>
-          </p:cNvSpPr>
-          <p:nvPr>
-            <p:ph type="title"/>
-          </p:nvPr>
-        </p:nvSpPr>
-        <p:spPr/>
-        <p:txBody>
-          <a:bodyPr/>
-          <a:lstStyle/>
-          <a:p>
-            <a:r>
-              <a:rPr lang="en-US" dirty="0">
-                <a:latin typeface="Palatino Linotype" panose="02040502050505030304" pitchFamily="18" charset="0"/>
-              </a:rPr>
-              <a:t>ACLS isn’t hard… with some help</a:t>
-            </a:r>
-          </a:p>
-        </p:txBody>
-      </p:sp>
-      <p:pic>
-        <p:nvPicPr>
-          <p:cNvPr id="4" name="Picture 3">
-            <a:extLst>
-              <a:ext uri="{FF2B5EF4-FFF2-40B4-BE49-F238E27FC236}">
-                <a16:creationId xmlns:a16="http://schemas.microsoft.com/office/drawing/2014/main" id="{4827C521-E6EE-CF43-8356-AE07B40052F9}"/>
-              </a:ext>
-            </a:extLst>
-          </p:cNvPr>
-          <p:cNvPicPr>
-            <a:picLocks noChangeAspect="1"/>
-          </p:cNvPicPr>
-          <p:nvPr/>
-        </p:nvPicPr>
-        <p:blipFill>
-          <a:blip r:embed="rId4" cstate="email">
-            <a:extLst>
-              <a:ext uri="{28A0092B-C50C-407E-A947-70E740481C1C}">
-                <a14:useLocalDpi xmlns:a14="http://schemas.microsoft.com/office/drawing/2010/main"/>
-              </a:ext>
-            </a:extLst>
-          </a:blip>
-          <a:stretch>
-            <a:fillRect/>
-          </a:stretch>
-        </p:blipFill>
-        <p:spPr>
-          <a:xfrm>
-            <a:off x="537148" y="2327811"/>
-            <a:ext cx="2686050" cy="3581400"/>
-          </a:xfrm>
-          <a:prstGeom prst="rect">
-            <a:avLst/>
-          </a:prstGeom>
-        </p:spPr>
-      </p:pic>
-      <p:pic>
-        <p:nvPicPr>
-          <p:cNvPr id="5" name="Picture 4">
-            <a:extLst>
-              <a:ext uri="{FF2B5EF4-FFF2-40B4-BE49-F238E27FC236}">
-                <a16:creationId xmlns:a16="http://schemas.microsoft.com/office/drawing/2014/main" id="{87AE23BC-1C41-4C4C-AD43-EE15B2919ABC}"/>
-              </a:ext>
-            </a:extLst>
-          </p:cNvPr>
-          <p:cNvPicPr>
-            <a:picLocks noChangeAspect="1"/>
-          </p:cNvPicPr>
-          <p:nvPr/>
-        </p:nvPicPr>
-        <p:blipFill>
-          <a:blip r:embed="rId5" cstate="email">
-            <a:extLst>
-              <a:ext uri="{28A0092B-C50C-407E-A947-70E740481C1C}">
-                <a14:useLocalDpi xmlns:a14="http://schemas.microsoft.com/office/drawing/2010/main"/>
-              </a:ext>
-            </a:extLst>
-          </a:blip>
-          <a:stretch>
-            <a:fillRect/>
-          </a:stretch>
-        </p:blipFill>
-        <p:spPr>
-          <a:xfrm>
-            <a:off x="2967608" y="2327810"/>
-            <a:ext cx="2686050" cy="3581400"/>
-          </a:xfrm>
-          <a:prstGeom prst="rect">
-            <a:avLst/>
-          </a:prstGeom>
-        </p:spPr>
-      </p:pic>
-      <p:pic>
-        <p:nvPicPr>
-          <p:cNvPr id="6" name="Picture 5">
-            <a:extLst>
-              <a:ext uri="{FF2B5EF4-FFF2-40B4-BE49-F238E27FC236}">
-                <a16:creationId xmlns:a16="http://schemas.microsoft.com/office/drawing/2014/main" id="{88E8A40C-2E6D-9C48-9BB5-7162AAC75BEF}"/>
-              </a:ext>
-            </a:extLst>
-          </p:cNvPr>
-          <p:cNvPicPr>
-            <a:picLocks noChangeAspect="1"/>
-          </p:cNvPicPr>
-          <p:nvPr/>
-        </p:nvPicPr>
-        <p:blipFill>
-          <a:blip r:embed="rId6" cstate="email">
-            <a:extLst>
-              <a:ext uri="{28A0092B-C50C-407E-A947-70E740481C1C}">
-                <a14:useLocalDpi xmlns:a14="http://schemas.microsoft.com/office/drawing/2010/main"/>
-              </a:ext>
-            </a:extLst>
-          </a:blip>
-          <a:stretch>
-            <a:fillRect/>
-          </a:stretch>
-        </p:blipFill>
-        <p:spPr>
-          <a:xfrm>
-            <a:off x="5633593" y="2327810"/>
-            <a:ext cx="2686050" cy="3581400"/>
-          </a:xfrm>
-          <a:prstGeom prst="rect">
-            <a:avLst/>
-          </a:prstGeom>
-        </p:spPr>
-      </p:pic>
-      <p:sp>
-        <p:nvSpPr>
-          <p:cNvPr id="7" name="Rectangle 6">
-            <a:extLst>
-              <a:ext uri="{FF2B5EF4-FFF2-40B4-BE49-F238E27FC236}">
-                <a16:creationId xmlns:a16="http://schemas.microsoft.com/office/drawing/2014/main" id="{F68B7327-67CF-4A4E-B212-BA8763AF456B}"/>
-              </a:ext>
-            </a:extLst>
-          </p:cNvPr>
-          <p:cNvSpPr/>
-          <p:nvPr/>
-        </p:nvSpPr>
-        <p:spPr>
-          <a:xfrm>
-            <a:off x="7316344" y="2179637"/>
-            <a:ext cx="1092200" cy="1058863"/>
-          </a:xfrm>
-          <a:prstGeom prst="rect">
-            <a:avLst/>
-          </a:prstGeom>
-          <a:noFill/>
           <a:ln>
-            <a:solidFill>
-              <a:srgbClr val="FF0000"/>
-            </a:solidFill>
+            <a:noFill/>
           </a:ln>
         </p:spPr>
         <p:style>
@@ -7568,221 +6868,535 @@
       </p:sp>
       <p:sp>
         <p:nvSpPr>
-          <p:cNvPr id="8" name="Rectangle 7">
-            <a:extLst>
-              <a:ext uri="{FF2B5EF4-FFF2-40B4-BE49-F238E27FC236}">
-                <a16:creationId xmlns:a16="http://schemas.microsoft.com/office/drawing/2014/main" id="{7F55E2CB-C85C-2641-8ED7-C780F1B268B0}"/>
-              </a:ext>
-            </a:extLst>
-          </p:cNvPr>
-          <p:cNvSpPr/>
-          <p:nvPr/>
+          <p:cNvPr id="2" name="Title 1">
+            <a:extLst>
+              <a:ext uri="{FF2B5EF4-FFF2-40B4-BE49-F238E27FC236}">
+                <a16:creationId xmlns:a16="http://schemas.microsoft.com/office/drawing/2014/main" id="{783133B5-8B48-D94D-855D-AA3BD878A319}"/>
+              </a:ext>
+            </a:extLst>
+          </p:cNvPr>
+          <p:cNvSpPr>
+            <a:spLocks noGrp="1"/>
+          </p:cNvSpPr>
+          <p:nvPr>
+            <p:ph type="title"/>
+          </p:nvPr>
         </p:nvSpPr>
         <p:spPr>
           <a:xfrm>
-            <a:off x="3218433" y="2709068"/>
-            <a:ext cx="1092200" cy="1058863"/>
+            <a:off x="304597" y="293999"/>
+            <a:ext cx="5334197" cy="1708242"/>
+          </a:xfrm>
+        </p:spPr>
+        <p:txBody>
+          <a:bodyPr anchor="ctr">
+            <a:normAutofit/>
+          </a:bodyPr>
+          <a:lstStyle/>
+          <a:p>
+            <a:r>
+              <a:rPr lang="en-US" sz="4000" b="1" dirty="0">
+                <a:latin typeface="Calibri" panose="020F0502020204030204" pitchFamily="34" charset="0"/>
+                <a:ea typeface="Palatino" pitchFamily="2" charset="77"/>
+                <a:cs typeface="Calibri" panose="020F0502020204030204" pitchFamily="34" charset="0"/>
+              </a:rPr>
+              <a:t>Step 3: </a:t>
+            </a:r>
+            <a:r>
+              <a:rPr lang="en-US" sz="4000" dirty="0">
+                <a:latin typeface="Calibri" panose="020F0502020204030204" pitchFamily="34" charset="0"/>
+                <a:ea typeface="Palatino" pitchFamily="2" charset="77"/>
+                <a:cs typeface="Calibri" panose="020F0502020204030204" pitchFamily="34" charset="0"/>
+              </a:rPr>
+              <a:t>Set the tone: constructive</a:t>
+            </a:r>
+          </a:p>
+        </p:txBody>
+      </p:sp>
+      <p:sp>
+        <p:nvSpPr>
+          <p:cNvPr id="3" name="Content Placeholder 2">
+            <a:extLst>
+              <a:ext uri="{FF2B5EF4-FFF2-40B4-BE49-F238E27FC236}">
+                <a16:creationId xmlns:a16="http://schemas.microsoft.com/office/drawing/2014/main" id="{8251F972-52AD-8346-A533-2F8D576B0D60}"/>
+              </a:ext>
+            </a:extLst>
+          </p:cNvPr>
+          <p:cNvSpPr>
+            <a:spLocks noGrp="1"/>
+          </p:cNvSpPr>
+          <p:nvPr>
+            <p:ph idx="1"/>
+          </p:nvPr>
+        </p:nvSpPr>
+        <p:spPr>
+          <a:xfrm>
+            <a:off x="292743" y="2013687"/>
+            <a:ext cx="4235648" cy="3769835"/>
+          </a:xfrm>
+        </p:spPr>
+        <p:txBody>
+          <a:bodyPr anchor="ctr">
+            <a:normAutofit fontScale="92500"/>
+          </a:bodyPr>
+          <a:lstStyle/>
+          <a:p>
+            <a:pPr marL="0" indent="0">
+              <a:buNone/>
+            </a:pPr>
+            <a:r>
+              <a:rPr lang="en-US" sz="2400" dirty="0">
+                <a:latin typeface="Calibri" panose="020F0502020204030204" pitchFamily="34" charset="0"/>
+                <a:cs typeface="Calibri" panose="020F0502020204030204" pitchFamily="34" charset="0"/>
+              </a:rPr>
+              <a:t>Calm, collected, and in control</a:t>
+            </a:r>
+          </a:p>
+          <a:p>
+            <a:r>
+              <a:rPr lang="en-US" sz="2400" dirty="0">
+                <a:latin typeface="Calibri" panose="020F0502020204030204" pitchFamily="34" charset="0"/>
+                <a:cs typeface="Calibri" panose="020F0502020204030204" pitchFamily="34" charset="0"/>
+              </a:rPr>
+              <a:t>Modulate your voice; no yelling</a:t>
+            </a:r>
+          </a:p>
+          <a:p>
+            <a:r>
+              <a:rPr lang="en-US" sz="2400" dirty="0">
+                <a:latin typeface="Calibri" panose="020F0502020204030204" pitchFamily="34" charset="0"/>
+                <a:cs typeface="Calibri" panose="020F0502020204030204" pitchFamily="34" charset="0"/>
+              </a:rPr>
+              <a:t>Coach, don’t reprimand. </a:t>
+            </a:r>
+          </a:p>
+          <a:p>
+            <a:r>
+              <a:rPr lang="en-US" sz="2400" dirty="0">
+                <a:latin typeface="Calibri" panose="020F0502020204030204" pitchFamily="34" charset="0"/>
+                <a:cs typeface="Calibri" panose="020F0502020204030204" pitchFamily="34" charset="0"/>
+              </a:rPr>
+              <a:t>Give encouragement.</a:t>
+            </a:r>
+          </a:p>
+          <a:p>
+            <a:pPr marL="0" indent="0">
+              <a:buNone/>
+            </a:pPr>
+            <a:endParaRPr lang="en-US" sz="2400" dirty="0">
+              <a:latin typeface="Calibri" panose="020F0502020204030204" pitchFamily="34" charset="0"/>
+              <a:cs typeface="Calibri" panose="020F0502020204030204" pitchFamily="34" charset="0"/>
+            </a:endParaRPr>
+          </a:p>
+          <a:p>
+            <a:pPr marL="0" indent="0">
+              <a:buNone/>
+            </a:pPr>
+            <a:r>
+              <a:rPr lang="en-US" sz="2400" dirty="0">
+                <a:latin typeface="Calibri" panose="020F0502020204030204" pitchFamily="34" charset="0"/>
+                <a:cs typeface="Calibri" panose="020F0502020204030204" pitchFamily="34" charset="0"/>
+              </a:rPr>
+              <a:t>What about suggestions you don’t like? </a:t>
+            </a:r>
+          </a:p>
+          <a:p>
+            <a:r>
+              <a:rPr lang="en-US" sz="2400" dirty="0">
+                <a:latin typeface="Calibri" panose="020F0502020204030204" pitchFamily="34" charset="0"/>
+                <a:cs typeface="Calibri" panose="020F0502020204030204" pitchFamily="34" charset="0"/>
+              </a:rPr>
+              <a:t>Use social capital on what’s important…</a:t>
+            </a:r>
+          </a:p>
+          <a:p>
+            <a:pPr marL="0" indent="0">
+              <a:buNone/>
+            </a:pPr>
+            <a:endParaRPr lang="en-US" sz="2000" dirty="0">
+              <a:latin typeface="Palatino Linotype" panose="02040502050505030304" pitchFamily="18" charset="0"/>
+            </a:endParaRPr>
+          </a:p>
+        </p:txBody>
+      </p:sp>
+      <p:pic>
+        <p:nvPicPr>
+          <p:cNvPr id="5" name="Picture 4" descr="Volume sliders">
+            <a:extLst>
+              <a:ext uri="{FF2B5EF4-FFF2-40B4-BE49-F238E27FC236}">
+                <a16:creationId xmlns:a16="http://schemas.microsoft.com/office/drawing/2014/main" id="{325D5531-D7F9-180E-F11A-872BEF862DD3}"/>
+              </a:ext>
+            </a:extLst>
+          </p:cNvPr>
+          <p:cNvPicPr>
+            <a:picLocks noChangeAspect="1"/>
+          </p:cNvPicPr>
+          <p:nvPr/>
+        </p:nvPicPr>
+        <p:blipFill rotWithShape="1">
+          <a:blip r:embed="rId3"/>
+          <a:srcRect l="13335" r="24538" b="-1"/>
+          <a:stretch/>
+        </p:blipFill>
+        <p:spPr>
+          <a:xfrm>
+            <a:off x="6537605" y="4787867"/>
+            <a:ext cx="1153594" cy="1485490"/>
+          </a:xfrm>
+          <a:prstGeom prst="rect">
+            <a:avLst/>
+          </a:prstGeom>
+          <a:effectLst>
+            <a:outerShdw blurRad="127000" dist="50800" dir="10800000" sx="99000" sy="99000" algn="r" rotWithShape="0">
+              <a:prstClr val="black">
+                <a:alpha val="40000"/>
+              </a:prstClr>
+            </a:outerShdw>
+          </a:effectLst>
+        </p:spPr>
+      </p:pic>
+      <p:pic>
+        <p:nvPicPr>
+          <p:cNvPr id="4" name="Picture 2" descr="How greater diversity in the cockpit could help airlines avoid a looming  pilot shortage">
+            <a:extLst>
+              <a:ext uri="{FF2B5EF4-FFF2-40B4-BE49-F238E27FC236}">
+                <a16:creationId xmlns:a16="http://schemas.microsoft.com/office/drawing/2014/main" id="{785D08B3-25D5-CF2E-FE10-261934082643}"/>
+              </a:ext>
+            </a:extLst>
+          </p:cNvPr>
+          <p:cNvPicPr>
+            <a:picLocks noChangeAspect="1" noChangeArrowheads="1"/>
+          </p:cNvPicPr>
+          <p:nvPr/>
+        </p:nvPicPr>
+        <p:blipFill>
+          <a:blip r:embed="rId4" cstate="email">
+            <a:extLst>
+              <a:ext uri="{28A0092B-C50C-407E-A947-70E740481C1C}">
+                <a14:useLocalDpi xmlns:a14="http://schemas.microsoft.com/office/drawing/2010/main"/>
+              </a:ext>
+            </a:extLst>
+          </a:blip>
+          <a:srcRect/>
+          <a:stretch>
+            <a:fillRect/>
+          </a:stretch>
+        </p:blipFill>
+        <p:spPr bwMode="auto">
+          <a:xfrm>
+            <a:off x="8409808" y="4609335"/>
+            <a:ext cx="1842555" cy="1842555"/>
           </a:xfrm>
           <a:prstGeom prst="rect">
             <a:avLst/>
           </a:prstGeom>
           <a:noFill/>
-          <a:ln>
-            <a:solidFill>
-              <a:srgbClr val="FF0000"/>
-            </a:solidFill>
-          </a:ln>
+          <a:extLst>
+            <a:ext uri="{909E8E84-426E-40DD-AFC4-6F175D3DCCD1}">
+              <a14:hiddenFill xmlns:a14="http://schemas.microsoft.com/office/drawing/2010/main">
+                <a:solidFill>
+                  <a:srgbClr val="FFFFFF"/>
+                </a:solidFill>
+              </a14:hiddenFill>
+            </a:ext>
+          </a:extLst>
         </p:spPr>
-        <p:style>
-          <a:lnRef idx="2">
-            <a:schemeClr val="accent1">
-              <a:shade val="50000"/>
-            </a:schemeClr>
-          </a:lnRef>
-          <a:fillRef idx="1">
-            <a:schemeClr val="accent1"/>
-          </a:fillRef>
-          <a:effectRef idx="0">
-            <a:schemeClr val="accent1"/>
-          </a:effectRef>
-          <a:fontRef idx="minor">
-            <a:schemeClr val="lt1"/>
-          </a:fontRef>
-        </p:style>
-        <p:txBody>
-          <a:bodyPr rtlCol="0" anchor="ctr"/>
-          <a:lstStyle/>
-          <a:p>
-            <a:pPr algn="ctr"/>
-            <a:endParaRPr lang="en-US"/>
-          </a:p>
-        </p:txBody>
-      </p:sp>
-      <p:sp>
-        <p:nvSpPr>
-          <p:cNvPr id="9" name="Rectangle 8">
-            <a:extLst>
-              <a:ext uri="{FF2B5EF4-FFF2-40B4-BE49-F238E27FC236}">
-                <a16:creationId xmlns:a16="http://schemas.microsoft.com/office/drawing/2014/main" id="{2426FC88-C7E3-FB43-8E4F-EAEA8EA8D4FF}"/>
-              </a:ext>
-            </a:extLst>
-          </p:cNvPr>
-          <p:cNvSpPr/>
+      </p:pic>
+      <p:sp>
+        <p:nvSpPr>
+          <p:cNvPr id="6" name="Title 1">
+            <a:extLst>
+              <a:ext uri="{FF2B5EF4-FFF2-40B4-BE49-F238E27FC236}">
+                <a16:creationId xmlns:a16="http://schemas.microsoft.com/office/drawing/2014/main" id="{0956DB84-A661-5A2B-68C8-CB6382D190F3}"/>
+              </a:ext>
+            </a:extLst>
+          </p:cNvPr>
+          <p:cNvSpPr txBox="1">
+            <a:spLocks/>
+          </p:cNvSpPr>
           <p:nvPr/>
         </p:nvSpPr>
         <p:spPr>
           <a:xfrm>
-            <a:off x="1410272" y="2179637"/>
-            <a:ext cx="1092200" cy="1058863"/>
-          </a:xfrm>
-          <a:prstGeom prst="rect">
-            <a:avLst/>
-          </a:prstGeom>
-          <a:noFill/>
-          <a:ln>
-            <a:solidFill>
-              <a:srgbClr val="FF0000"/>
-            </a:solidFill>
-          </a:ln>
-        </p:spPr>
-        <p:style>
-          <a:lnRef idx="2">
-            <a:schemeClr val="accent1">
-              <a:shade val="50000"/>
-            </a:schemeClr>
-          </a:lnRef>
-          <a:fillRef idx="1">
-            <a:schemeClr val="accent1"/>
-          </a:fillRef>
-          <a:effectRef idx="0">
-            <a:schemeClr val="accent1"/>
-          </a:effectRef>
-          <a:fontRef idx="minor">
-            <a:schemeClr val="lt1"/>
-          </a:fontRef>
-        </p:style>
-        <p:txBody>
-          <a:bodyPr rtlCol="0" anchor="ctr"/>
-          <a:lstStyle/>
-          <a:p>
-            <a:pPr algn="ctr"/>
-            <a:endParaRPr lang="en-US"/>
-          </a:p>
-        </p:txBody>
-      </p:sp>
-      <p:pic>
-        <p:nvPicPr>
-          <p:cNvPr id="12" name="Graphic 11" descr="No Phones with solid fill">
-            <a:extLst>
-              <a:ext uri="{FF2B5EF4-FFF2-40B4-BE49-F238E27FC236}">
-                <a16:creationId xmlns:a16="http://schemas.microsoft.com/office/drawing/2014/main" id="{7F10A843-42A2-05C0-74FD-311B3463AC50}"/>
-              </a:ext>
-            </a:extLst>
-          </p:cNvPr>
-          <p:cNvPicPr>
-            <a:picLocks noChangeAspect="1"/>
-          </p:cNvPicPr>
-          <p:nvPr/>
-        </p:nvPicPr>
-        <p:blipFill>
-          <a:blip r:embed="rId7">
-            <a:extLst>
-              <a:ext uri="{96DAC541-7B7A-43D3-8B79-37D633B846F1}">
-                <asvg:svgBlip xmlns:asvg="http://schemas.microsoft.com/office/drawing/2016/SVG/main" r:embed="rId8"/>
-              </a:ext>
-            </a:extLst>
-          </a:blip>
-          <a:stretch>
-            <a:fillRect/>
-          </a:stretch>
-        </p:blipFill>
-        <p:spPr>
-          <a:xfrm>
-            <a:off x="10641979" y="1541794"/>
-            <a:ext cx="1416661" cy="1416661"/>
+            <a:off x="6376886" y="281840"/>
+            <a:ext cx="4987629" cy="1731847"/>
           </a:xfrm>
           <a:prstGeom prst="rect">
             <a:avLst/>
           </a:prstGeom>
         </p:spPr>
-      </p:pic>
-      <p:pic>
-        <p:nvPicPr>
-          <p:cNvPr id="14" name="Graphic 13" descr="Smart Phone with solid fill">
-            <a:extLst>
-              <a:ext uri="{FF2B5EF4-FFF2-40B4-BE49-F238E27FC236}">
-                <a16:creationId xmlns:a16="http://schemas.microsoft.com/office/drawing/2014/main" id="{65D66588-A109-86B1-B447-EDF60929A2FA}"/>
-              </a:ext>
-            </a:extLst>
-          </p:cNvPr>
-          <p:cNvPicPr>
-            <a:picLocks noChangeAspect="1"/>
-          </p:cNvPicPr>
+        <p:txBody>
+          <a:bodyPr vert="horz" lIns="91440" tIns="45720" rIns="91440" bIns="45720" rtlCol="0" anchor="ctr">
+            <a:normAutofit/>
+          </a:bodyPr>
+          <a:lstStyle>
+            <a:lvl1pPr algn="l" defTabSz="914400" rtl="0" eaLnBrk="1" latinLnBrk="0" hangingPunct="1">
+              <a:lnSpc>
+                <a:spcPct val="90000"/>
+              </a:lnSpc>
+              <a:spcBef>
+                <a:spcPct val="0"/>
+              </a:spcBef>
+              <a:buNone/>
+              <a:defRPr sz="4400" kern="1200">
+                <a:solidFill>
+                  <a:schemeClr val="tx1"/>
+                </a:solidFill>
+                <a:latin typeface="+mj-lt"/>
+                <a:ea typeface="+mj-ea"/>
+                <a:cs typeface="+mj-cs"/>
+              </a:defRPr>
+            </a:lvl1pPr>
+          </a:lstStyle>
+          <a:p>
+            <a:r>
+              <a:rPr lang="en-US" b="1" dirty="0">
+                <a:latin typeface="Calibri" panose="020F0502020204030204" pitchFamily="34" charset="0"/>
+                <a:cs typeface="Calibri" panose="020F0502020204030204" pitchFamily="34" charset="0"/>
+              </a:rPr>
+              <a:t>Step 4:</a:t>
+            </a:r>
+            <a:r>
+              <a:rPr lang="en-US" dirty="0">
+                <a:latin typeface="Calibri" panose="020F0502020204030204" pitchFamily="34" charset="0"/>
+                <a:cs typeface="Calibri" panose="020F0502020204030204" pitchFamily="34" charset="0"/>
+              </a:rPr>
+              <a:t> Lower the Power Distance</a:t>
+            </a:r>
+          </a:p>
+        </p:txBody>
+      </p:sp>
+      <p:sp>
+        <p:nvSpPr>
+          <p:cNvPr id="7" name="Content Placeholder 2">
+            <a:extLst>
+              <a:ext uri="{FF2B5EF4-FFF2-40B4-BE49-F238E27FC236}">
+                <a16:creationId xmlns:a16="http://schemas.microsoft.com/office/drawing/2014/main" id="{2C1DEB8A-B2E9-E274-70C6-9BED3673AED0}"/>
+              </a:ext>
+            </a:extLst>
+          </p:cNvPr>
+          <p:cNvSpPr txBox="1">
+            <a:spLocks/>
+          </p:cNvSpPr>
           <p:nvPr/>
-        </p:nvPicPr>
-        <p:blipFill>
-          <a:blip r:embed="rId9">
-            <a:extLst>
-              <a:ext uri="{96DAC541-7B7A-43D3-8B79-37D633B846F1}">
-                <asvg:svgBlip xmlns:asvg="http://schemas.microsoft.com/office/drawing/2016/SVG/main" r:embed="rId10"/>
-              </a:ext>
-            </a:extLst>
-          </a:blip>
-          <a:stretch>
-            <a:fillRect/>
-          </a:stretch>
-        </p:blipFill>
+        </p:nvSpPr>
         <p:spPr>
           <a:xfrm>
-            <a:off x="8907446" y="1500230"/>
-            <a:ext cx="1458225" cy="1458225"/>
+            <a:off x="6400594" y="2054225"/>
+            <a:ext cx="5257800" cy="4351338"/>
           </a:xfrm>
           <a:prstGeom prst="rect">
             <a:avLst/>
           </a:prstGeom>
         </p:spPr>
-      </p:pic>
-      <p:sp>
-        <p:nvSpPr>
-          <p:cNvPr id="15" name="TextBox 14">
-            <a:extLst>
-              <a:ext uri="{FF2B5EF4-FFF2-40B4-BE49-F238E27FC236}">
-                <a16:creationId xmlns:a16="http://schemas.microsoft.com/office/drawing/2014/main" id="{69DF03B9-96FE-11B9-F7A9-593F0507D555}"/>
-              </a:ext>
-            </a:extLst>
-          </p:cNvPr>
-          <p:cNvSpPr txBox="1"/>
-          <p:nvPr/>
-        </p:nvSpPr>
-        <p:spPr>
-          <a:xfrm>
-            <a:off x="10267521" y="2079933"/>
-            <a:ext cx="1101436" cy="369332"/>
-          </a:xfrm>
-          <a:prstGeom prst="rect">
-            <a:avLst/>
-          </a:prstGeom>
-          <a:noFill/>
-        </p:spPr>
-        <p:txBody>
-          <a:bodyPr wrap="square" rtlCol="0">
-            <a:spAutoFit/>
+        <p:txBody>
+          <a:bodyPr vert="horz" lIns="91440" tIns="45720" rIns="91440" bIns="45720" rtlCol="0">
+            <a:normAutofit/>
           </a:bodyPr>
-          <a:lstStyle/>
-          <a:p>
-            <a:r>
-              <a:rPr lang="en-US" dirty="0">
-                <a:latin typeface="Palatino Linotype" panose="02040502050505030304" pitchFamily="18" charset="0"/>
+          <a:lstStyle>
+            <a:lvl1pPr marL="228600" indent="-228600" algn="l" defTabSz="914400" rtl="0" eaLnBrk="1" latinLnBrk="0" hangingPunct="1">
+              <a:lnSpc>
+                <a:spcPct val="90000"/>
+              </a:lnSpc>
+              <a:spcBef>
+                <a:spcPts val="1000"/>
+              </a:spcBef>
+              <a:buFont typeface="Arial" panose="020B0604020202020204" pitchFamily="34" charset="0"/>
+              <a:buChar char="•"/>
+              <a:defRPr sz="2800" kern="1200">
+                <a:solidFill>
+                  <a:schemeClr val="tx1"/>
+                </a:solidFill>
+                <a:latin typeface="+mn-lt"/>
+                <a:ea typeface="+mn-ea"/>
+                <a:cs typeface="+mn-cs"/>
+              </a:defRPr>
+            </a:lvl1pPr>
+            <a:lvl2pPr marL="685800" indent="-228600" algn="l" defTabSz="914400" rtl="0" eaLnBrk="1" latinLnBrk="0" hangingPunct="1">
+              <a:lnSpc>
+                <a:spcPct val="90000"/>
+              </a:lnSpc>
+              <a:spcBef>
+                <a:spcPts val="500"/>
+              </a:spcBef>
+              <a:buFont typeface="Arial" panose="020B0604020202020204" pitchFamily="34" charset="0"/>
+              <a:buChar char="•"/>
+              <a:defRPr sz="2400" kern="1200">
+                <a:solidFill>
+                  <a:schemeClr val="tx1"/>
+                </a:solidFill>
+                <a:latin typeface="+mn-lt"/>
+                <a:ea typeface="+mn-ea"/>
+                <a:cs typeface="+mn-cs"/>
+              </a:defRPr>
+            </a:lvl2pPr>
+            <a:lvl3pPr marL="1143000" indent="-228600" algn="l" defTabSz="914400" rtl="0" eaLnBrk="1" latinLnBrk="0" hangingPunct="1">
+              <a:lnSpc>
+                <a:spcPct val="90000"/>
+              </a:lnSpc>
+              <a:spcBef>
+                <a:spcPts val="500"/>
+              </a:spcBef>
+              <a:buFont typeface="Arial" panose="020B0604020202020204" pitchFamily="34" charset="0"/>
+              <a:buChar char="•"/>
+              <a:defRPr sz="2000" kern="1200">
+                <a:solidFill>
+                  <a:schemeClr val="tx1"/>
+                </a:solidFill>
+                <a:latin typeface="+mn-lt"/>
+                <a:ea typeface="+mn-ea"/>
+                <a:cs typeface="+mn-cs"/>
+              </a:defRPr>
+            </a:lvl3pPr>
+            <a:lvl4pPr marL="1600200" indent="-228600" algn="l" defTabSz="914400" rtl="0" eaLnBrk="1" latinLnBrk="0" hangingPunct="1">
+              <a:lnSpc>
+                <a:spcPct val="90000"/>
+              </a:lnSpc>
+              <a:spcBef>
+                <a:spcPts val="500"/>
+              </a:spcBef>
+              <a:buFont typeface="Arial" panose="020B0604020202020204" pitchFamily="34" charset="0"/>
+              <a:buChar char="•"/>
+              <a:defRPr sz="1800" kern="1200">
+                <a:solidFill>
+                  <a:schemeClr val="tx1"/>
+                </a:solidFill>
+                <a:latin typeface="+mn-lt"/>
+                <a:ea typeface="+mn-ea"/>
+                <a:cs typeface="+mn-cs"/>
+              </a:defRPr>
+            </a:lvl4pPr>
+            <a:lvl5pPr marL="2057400" indent="-228600" algn="l" defTabSz="914400" rtl="0" eaLnBrk="1" latinLnBrk="0" hangingPunct="1">
+              <a:lnSpc>
+                <a:spcPct val="90000"/>
+              </a:lnSpc>
+              <a:spcBef>
+                <a:spcPts val="500"/>
+              </a:spcBef>
+              <a:buFont typeface="Arial" panose="020B0604020202020204" pitchFamily="34" charset="0"/>
+              <a:buChar char="•"/>
+              <a:defRPr sz="1800" kern="1200">
+                <a:solidFill>
+                  <a:schemeClr val="tx1"/>
+                </a:solidFill>
+                <a:latin typeface="+mn-lt"/>
+                <a:ea typeface="+mn-ea"/>
+                <a:cs typeface="+mn-cs"/>
+              </a:defRPr>
+            </a:lvl5pPr>
+            <a:lvl6pPr marL="2514600" indent="-228600" algn="l" defTabSz="914400" rtl="0" eaLnBrk="1" latinLnBrk="0" hangingPunct="1">
+              <a:lnSpc>
+                <a:spcPct val="90000"/>
+              </a:lnSpc>
+              <a:spcBef>
+                <a:spcPts val="500"/>
+              </a:spcBef>
+              <a:buFont typeface="Arial" panose="020B0604020202020204" pitchFamily="34" charset="0"/>
+              <a:buChar char="•"/>
+              <a:defRPr sz="1800" kern="1200">
+                <a:solidFill>
+                  <a:schemeClr val="tx1"/>
+                </a:solidFill>
+                <a:latin typeface="+mn-lt"/>
+                <a:ea typeface="+mn-ea"/>
+                <a:cs typeface="+mn-cs"/>
+              </a:defRPr>
+            </a:lvl6pPr>
+            <a:lvl7pPr marL="2971800" indent="-228600" algn="l" defTabSz="914400" rtl="0" eaLnBrk="1" latinLnBrk="0" hangingPunct="1">
+              <a:lnSpc>
+                <a:spcPct val="90000"/>
+              </a:lnSpc>
+              <a:spcBef>
+                <a:spcPts val="500"/>
+              </a:spcBef>
+              <a:buFont typeface="Arial" panose="020B0604020202020204" pitchFamily="34" charset="0"/>
+              <a:buChar char="•"/>
+              <a:defRPr sz="1800" kern="1200">
+                <a:solidFill>
+                  <a:schemeClr val="tx1"/>
+                </a:solidFill>
+                <a:latin typeface="+mn-lt"/>
+                <a:ea typeface="+mn-ea"/>
+                <a:cs typeface="+mn-cs"/>
+              </a:defRPr>
+            </a:lvl7pPr>
+            <a:lvl8pPr marL="3429000" indent="-228600" algn="l" defTabSz="914400" rtl="0" eaLnBrk="1" latinLnBrk="0" hangingPunct="1">
+              <a:lnSpc>
+                <a:spcPct val="90000"/>
+              </a:lnSpc>
+              <a:spcBef>
+                <a:spcPts val="500"/>
+              </a:spcBef>
+              <a:buFont typeface="Arial" panose="020B0604020202020204" pitchFamily="34" charset="0"/>
+              <a:buChar char="•"/>
+              <a:defRPr sz="1800" kern="1200">
+                <a:solidFill>
+                  <a:schemeClr val="tx1"/>
+                </a:solidFill>
+                <a:latin typeface="+mn-lt"/>
+                <a:ea typeface="+mn-ea"/>
+                <a:cs typeface="+mn-cs"/>
+              </a:defRPr>
+            </a:lvl8pPr>
+            <a:lvl9pPr marL="3886200" indent="-228600" algn="l" defTabSz="914400" rtl="0" eaLnBrk="1" latinLnBrk="0" hangingPunct="1">
+              <a:lnSpc>
+                <a:spcPct val="90000"/>
+              </a:lnSpc>
+              <a:spcBef>
+                <a:spcPts val="500"/>
+              </a:spcBef>
+              <a:buFont typeface="Arial" panose="020B0604020202020204" pitchFamily="34" charset="0"/>
+              <a:buChar char="•"/>
+              <a:defRPr sz="1800" kern="1200">
+                <a:solidFill>
+                  <a:schemeClr val="tx1"/>
+                </a:solidFill>
+                <a:latin typeface="+mn-lt"/>
+                <a:ea typeface="+mn-ea"/>
+                <a:cs typeface="+mn-cs"/>
+              </a:defRPr>
+            </a:lvl9pPr>
+          </a:lstStyle>
+          <a:p>
+            <a:r>
+              <a:rPr lang="en-US" sz="2400" dirty="0">
+                <a:latin typeface="Calibri" panose="020F0502020204030204" pitchFamily="34" charset="0"/>
+                <a:cs typeface="Calibri" panose="020F0502020204030204" pitchFamily="34" charset="0"/>
               </a:rPr>
-              <a:t>Vs.</a:t>
-            </a:r>
+              <a:t>Coach, not monarch. </a:t>
+            </a:r>
+          </a:p>
+          <a:p>
+            <a:r>
+              <a:rPr lang="en-US" sz="2400" dirty="0">
+                <a:latin typeface="Calibri" panose="020F0502020204030204" pitchFamily="34" charset="0"/>
+                <a:cs typeface="Calibri" panose="020F0502020204030204" pitchFamily="34" charset="0"/>
+              </a:rPr>
+              <a:t>The first time anyone makes any suggestion that's not ludicrous address them and say: "great point/idea/catch .."</a:t>
+            </a:r>
+          </a:p>
+          <a:p>
+            <a:r>
+              <a:rPr lang="en-US" sz="2400" dirty="0">
+                <a:latin typeface="Calibri" panose="020F0502020204030204" pitchFamily="34" charset="0"/>
+                <a:cs typeface="Calibri" panose="020F0502020204030204" pitchFamily="34" charset="0"/>
+              </a:rPr>
+              <a:t>“Thinking out loud …”</a:t>
+            </a:r>
+          </a:p>
+          <a:p>
+            <a:pPr marL="0" indent="0">
+              <a:buFont typeface="Arial" panose="020B0604020202020204" pitchFamily="34" charset="0"/>
+              <a:buNone/>
+            </a:pPr>
+            <a:endParaRPr lang="en-US" sz="2400" dirty="0"/>
           </a:p>
         </p:txBody>
       </p:sp>
     </p:spTree>
     <p:extLst>
       <p:ext uri="{BB962C8B-B14F-4D97-AF65-F5344CB8AC3E}">
-        <p14:creationId xmlns:p14="http://schemas.microsoft.com/office/powerpoint/2010/main" val="4015858226"/>
+        <p14:creationId xmlns:p14="http://schemas.microsoft.com/office/powerpoint/2010/main" val="124210845"/>
       </p:ext>
     </p:extLst>
   </p:cSld>
